--- a/Socket-programming-python.pptx
+++ b/Socket-programming-python.pptx
@@ -10,10 +10,13 @@
     <p:sldId id="259" r:id="rId4"/>
     <p:sldId id="260" r:id="rId5"/>
     <p:sldId id="261" r:id="rId6"/>
-    <p:sldId id="262" r:id="rId7"/>
+    <p:sldId id="268" r:id="rId7"/>
     <p:sldId id="263" r:id="rId8"/>
-    <p:sldId id="264" r:id="rId9"/>
-    <p:sldId id="265" r:id="rId10"/>
+    <p:sldId id="267" r:id="rId9"/>
+    <p:sldId id="269" r:id="rId10"/>
+    <p:sldId id="262" r:id="rId11"/>
+    <p:sldId id="264" r:id="rId12"/>
+    <p:sldId id="265" r:id="rId13"/>
   </p:sldIdLst>
   <p:sldSz cx="12192000" cy="6858000"/>
   <p:notesSz cx="6858000" cy="9144000"/>
@@ -3457,6 +3460,332 @@
 </p:sld>
 </file>
 
+<file path=ppt/slides/slide10.xml><?xml version="1.0" encoding="utf-8"?>
+<p:sld xmlns:a="http://schemas.openxmlformats.org/drawingml/2006/main" xmlns:r="http://schemas.openxmlformats.org/officeDocument/2006/relationships" xmlns:p="http://schemas.openxmlformats.org/presentationml/2006/main">
+  <p:cSld>
+    <p:spTree>
+      <p:nvGrpSpPr>
+        <p:cNvPr id="1" name=""/>
+        <p:cNvGrpSpPr/>
+        <p:nvPr/>
+      </p:nvGrpSpPr>
+      <p:grpSpPr>
+        <a:xfrm>
+          <a:off x="0" y="0"/>
+          <a:ext cx="0" cy="0"/>
+          <a:chOff x="0" y="0"/>
+          <a:chExt cx="0" cy="0"/>
+        </a:xfrm>
+      </p:grpSpPr>
+      <p:sp>
+        <p:nvSpPr>
+          <p:cNvPr id="2" name="Title 1">
+            <a:extLst>
+              <a:ext uri="{FF2B5EF4-FFF2-40B4-BE49-F238E27FC236}">
+                <a16:creationId xmlns:a16="http://schemas.microsoft.com/office/drawing/2014/main" id="{569DAD81-8F35-47EC-B04D-05ADBF23F082}"/>
+              </a:ext>
+            </a:extLst>
+          </p:cNvPr>
+          <p:cNvSpPr>
+            <a:spLocks noGrp="1"/>
+          </p:cNvSpPr>
+          <p:nvPr>
+            <p:ph type="title"/>
+          </p:nvPr>
+        </p:nvSpPr>
+        <p:spPr/>
+        <p:txBody>
+          <a:bodyPr/>
+          <a:lstStyle/>
+          <a:p>
+            <a:r>
+              <a:rPr lang="en-US" dirty="0"/>
+              <a:t>Client and server Architecture</a:t>
+            </a:r>
+          </a:p>
+        </p:txBody>
+      </p:sp>
+      <p:pic>
+        <p:nvPicPr>
+          <p:cNvPr id="5" name="Content Placeholder 4">
+            <a:extLst>
+              <a:ext uri="{FF2B5EF4-FFF2-40B4-BE49-F238E27FC236}">
+                <a16:creationId xmlns:a16="http://schemas.microsoft.com/office/drawing/2014/main" id="{F232746C-95E6-473F-8CA7-B4BDAFD2B171}"/>
+              </a:ext>
+            </a:extLst>
+          </p:cNvPr>
+          <p:cNvPicPr>
+            <a:picLocks noGrp="1" noChangeAspect="1"/>
+          </p:cNvPicPr>
+          <p:nvPr>
+            <p:ph idx="1"/>
+          </p:nvPr>
+        </p:nvPicPr>
+        <p:blipFill>
+          <a:blip r:embed="rId2">
+            <a:extLst>
+              <a:ext uri="{28A0092B-C50C-407E-A947-70E740481C1C}">
+                <a14:useLocalDpi xmlns:a14="http://schemas.microsoft.com/office/drawing/2010/main" val="0"/>
+              </a:ext>
+            </a:extLst>
+          </a:blip>
+          <a:stretch>
+            <a:fillRect/>
+          </a:stretch>
+        </p:blipFill>
+        <p:spPr>
+          <a:xfrm>
+            <a:off x="838200" y="2038870"/>
+            <a:ext cx="9386455" cy="4251094"/>
+          </a:xfrm>
+        </p:spPr>
+      </p:pic>
+    </p:spTree>
+    <p:extLst>
+      <p:ext uri="{BB962C8B-B14F-4D97-AF65-F5344CB8AC3E}">
+        <p14:creationId xmlns:p14="http://schemas.microsoft.com/office/powerpoint/2010/main" val="2071458700"/>
+      </p:ext>
+    </p:extLst>
+  </p:cSld>
+  <p:clrMapOvr>
+    <a:masterClrMapping/>
+  </p:clrMapOvr>
+</p:sld>
+</file>
+
+<file path=ppt/slides/slide11.xml><?xml version="1.0" encoding="utf-8"?>
+<p:sld xmlns:a="http://schemas.openxmlformats.org/drawingml/2006/main" xmlns:r="http://schemas.openxmlformats.org/officeDocument/2006/relationships" xmlns:p="http://schemas.openxmlformats.org/presentationml/2006/main">
+  <p:cSld>
+    <p:spTree>
+      <p:nvGrpSpPr>
+        <p:cNvPr id="1" name=""/>
+        <p:cNvGrpSpPr/>
+        <p:nvPr/>
+      </p:nvGrpSpPr>
+      <p:grpSpPr>
+        <a:xfrm>
+          <a:off x="0" y="0"/>
+          <a:ext cx="0" cy="0"/>
+          <a:chOff x="0" y="0"/>
+          <a:chExt cx="0" cy="0"/>
+        </a:xfrm>
+      </p:grpSpPr>
+      <p:sp>
+        <p:nvSpPr>
+          <p:cNvPr id="2" name="Title 1">
+            <a:extLst>
+              <a:ext uri="{FF2B5EF4-FFF2-40B4-BE49-F238E27FC236}">
+                <a16:creationId xmlns:a16="http://schemas.microsoft.com/office/drawing/2014/main" id="{D7BB37A1-8F3D-4558-B0D6-FFDBC8675713}"/>
+              </a:ext>
+            </a:extLst>
+          </p:cNvPr>
+          <p:cNvSpPr>
+            <a:spLocks noGrp="1"/>
+          </p:cNvSpPr>
+          <p:nvPr>
+            <p:ph type="title"/>
+          </p:nvPr>
+        </p:nvSpPr>
+        <p:spPr/>
+        <p:txBody>
+          <a:bodyPr/>
+          <a:lstStyle/>
+          <a:p>
+            <a:r>
+              <a:rPr lang="en-US" dirty="0"/>
+              <a:t>Real time Application</a:t>
+            </a:r>
+          </a:p>
+        </p:txBody>
+      </p:sp>
+      <p:sp>
+        <p:nvSpPr>
+          <p:cNvPr id="3" name="Content Placeholder 2">
+            <a:extLst>
+              <a:ext uri="{FF2B5EF4-FFF2-40B4-BE49-F238E27FC236}">
+                <a16:creationId xmlns:a16="http://schemas.microsoft.com/office/drawing/2014/main" id="{63B85EE0-75AD-4E56-B497-F568F22F9F48}"/>
+              </a:ext>
+            </a:extLst>
+          </p:cNvPr>
+          <p:cNvSpPr>
+            <a:spLocks noGrp="1"/>
+          </p:cNvSpPr>
+          <p:nvPr>
+            <p:ph idx="1"/>
+          </p:nvPr>
+        </p:nvSpPr>
+        <p:spPr/>
+        <p:txBody>
+          <a:bodyPr/>
+          <a:lstStyle/>
+          <a:p>
+            <a:r>
+              <a:rPr lang="en-US" dirty="0"/>
+              <a:t>Chat Application 	</a:t>
+            </a:r>
+          </a:p>
+          <a:p>
+            <a:pPr lvl="1"/>
+            <a:r>
+              <a:rPr lang="en-US" dirty="0"/>
+              <a:t>Going to test at echo server and client </a:t>
+            </a:r>
+          </a:p>
+          <a:p>
+            <a:r>
+              <a:rPr lang="en-US" dirty="0"/>
+              <a:t>Interaction with web host</a:t>
+            </a:r>
+          </a:p>
+          <a:p>
+            <a:r>
+              <a:rPr lang="en-US" dirty="0"/>
+              <a:t>FTP</a:t>
+            </a:r>
+          </a:p>
+          <a:p>
+            <a:r>
+              <a:rPr lang="en-US" dirty="0"/>
+              <a:t>Network sniffer</a:t>
+            </a:r>
+          </a:p>
+          <a:p>
+            <a:pPr marL="0" indent="0">
+              <a:buNone/>
+            </a:pPr>
+            <a:endParaRPr lang="en-US" dirty="0"/>
+          </a:p>
+        </p:txBody>
+      </p:sp>
+    </p:spTree>
+    <p:extLst>
+      <p:ext uri="{BB962C8B-B14F-4D97-AF65-F5344CB8AC3E}">
+        <p14:creationId xmlns:p14="http://schemas.microsoft.com/office/powerpoint/2010/main" val="4049106838"/>
+      </p:ext>
+    </p:extLst>
+  </p:cSld>
+  <p:clrMapOvr>
+    <a:masterClrMapping/>
+  </p:clrMapOvr>
+</p:sld>
+</file>
+
+<file path=ppt/slides/slide12.xml><?xml version="1.0" encoding="utf-8"?>
+<p:sld xmlns:a="http://schemas.openxmlformats.org/drawingml/2006/main" xmlns:r="http://schemas.openxmlformats.org/officeDocument/2006/relationships" xmlns:p="http://schemas.openxmlformats.org/presentationml/2006/main">
+  <p:cSld>
+    <p:spTree>
+      <p:nvGrpSpPr>
+        <p:cNvPr id="1" name=""/>
+        <p:cNvGrpSpPr/>
+        <p:nvPr/>
+      </p:nvGrpSpPr>
+      <p:grpSpPr>
+        <a:xfrm>
+          <a:off x="0" y="0"/>
+          <a:ext cx="0" cy="0"/>
+          <a:chOff x="0" y="0"/>
+          <a:chExt cx="0" cy="0"/>
+        </a:xfrm>
+      </p:grpSpPr>
+      <p:sp>
+        <p:nvSpPr>
+          <p:cNvPr id="2" name="Title 1">
+            <a:extLst>
+              <a:ext uri="{FF2B5EF4-FFF2-40B4-BE49-F238E27FC236}">
+                <a16:creationId xmlns:a16="http://schemas.microsoft.com/office/drawing/2014/main" id="{9480C920-E4F0-47A8-9E3F-7F25C6F599DF}"/>
+              </a:ext>
+            </a:extLst>
+          </p:cNvPr>
+          <p:cNvSpPr>
+            <a:spLocks noGrp="1"/>
+          </p:cNvSpPr>
+          <p:nvPr>
+            <p:ph type="title"/>
+          </p:nvPr>
+        </p:nvSpPr>
+        <p:spPr/>
+        <p:txBody>
+          <a:bodyPr/>
+          <a:lstStyle/>
+          <a:p>
+            <a:r>
+              <a:rPr lang="en-US" dirty="0"/>
+              <a:t>Reference		</a:t>
+            </a:r>
+          </a:p>
+        </p:txBody>
+      </p:sp>
+      <p:sp>
+        <p:nvSpPr>
+          <p:cNvPr id="3" name="Content Placeholder 2">
+            <a:extLst>
+              <a:ext uri="{FF2B5EF4-FFF2-40B4-BE49-F238E27FC236}">
+                <a16:creationId xmlns:a16="http://schemas.microsoft.com/office/drawing/2014/main" id="{DF1C56D5-9ADB-4AE0-B5D1-8016D5D9AAC9}"/>
+              </a:ext>
+            </a:extLst>
+          </p:cNvPr>
+          <p:cNvSpPr>
+            <a:spLocks noGrp="1"/>
+          </p:cNvSpPr>
+          <p:nvPr>
+            <p:ph idx="1"/>
+          </p:nvPr>
+        </p:nvSpPr>
+        <p:spPr/>
+        <p:txBody>
+          <a:bodyPr/>
+          <a:lstStyle/>
+          <a:p>
+            <a:r>
+              <a:rPr lang="en-US" dirty="0">
+                <a:hlinkClick r:id="rId2"/>
+              </a:rPr>
+              <a:t>https://realpython.com/python-sockets/</a:t>
+            </a:r>
+            <a:r>
+              <a:rPr lang="en-US" dirty="0"/>
+              <a:t> </a:t>
+            </a:r>
+          </a:p>
+          <a:p>
+            <a:r>
+              <a:rPr lang="en-US" dirty="0">
+                <a:hlinkClick r:id="rId3"/>
+              </a:rPr>
+              <a:t>https://www.csd.uoc.gr/~hy556/material/tutorials/cs556-3rd-tutorial.pdf</a:t>
+            </a:r>
+            <a:r>
+              <a:rPr lang="en-US" dirty="0"/>
+              <a:t> </a:t>
+            </a:r>
+          </a:p>
+          <a:p>
+            <a:r>
+              <a:rPr lang="en-US" dirty="0">
+                <a:hlinkClick r:id="rId4"/>
+              </a:rPr>
+              <a:t>http://home.iitk.ac.in/~chebrolu/ee673-f06/sockets.pdf</a:t>
+            </a:r>
+            <a:r>
+              <a:rPr lang="en-US" dirty="0"/>
+              <a:t> </a:t>
+            </a:r>
+          </a:p>
+        </p:txBody>
+      </p:sp>
+    </p:spTree>
+    <p:extLst>
+      <p:ext uri="{BB962C8B-B14F-4D97-AF65-F5344CB8AC3E}">
+        <p14:creationId xmlns:p14="http://schemas.microsoft.com/office/powerpoint/2010/main" val="3994343"/>
+      </p:ext>
+    </p:extLst>
+  </p:cSld>
+  <p:clrMapOvr>
+    <a:masterClrMapping/>
+  </p:clrMapOvr>
+</p:sld>
+</file>
+
 <file path=ppt/slides/slide2.xml><?xml version="1.0" encoding="utf-8"?>
 <p:sld xmlns:a="http://schemas.openxmlformats.org/drawingml/2006/main" xmlns:r="http://schemas.openxmlformats.org/officeDocument/2006/relationships" xmlns:p="http://schemas.openxmlformats.org/presentationml/2006/main">
   <p:cSld>
@@ -3835,20 +4164,8 @@
           <a:p>
             <a:r>
               <a:rPr lang="en-US" dirty="0"/>
-              <a:t>Routing</a:t>
-            </a:r>
-          </a:p>
-          <a:p>
-            <a:r>
-              <a:rPr lang="en-US" dirty="0"/>
-              <a:t>Socket</a:t>
-            </a:r>
-          </a:p>
-          <a:p>
-            <a:pPr marL="0" indent="0">
-              <a:buNone/>
-            </a:pPr>
-            <a:endParaRPr lang="en-US" dirty="0"/>
+              <a:t>Routing </a:t>
+            </a:r>
           </a:p>
           <a:p>
             <a:pPr marL="457200" lvl="1" indent="0">
@@ -3949,13 +4266,40 @@
           <a:lstStyle/>
           <a:p>
             <a:r>
+              <a:rPr lang="en-US" sz="2400" dirty="0"/>
+              <a:t>Socket Programming </a:t>
+            </a:r>
+          </a:p>
+          <a:p>
+            <a:pPr lvl="1"/>
+            <a:r>
               <a:rPr lang="en-US" dirty="0"/>
               <a:t>“Way of connecting two nodes on a network to communicate with each other”</a:t>
             </a:r>
           </a:p>
           <a:p>
             <a:r>
+              <a:rPr lang="en-US" sz="2400" dirty="0"/>
+              <a:t>Socket: </a:t>
+            </a:r>
+          </a:p>
+          <a:p>
+            <a:pPr lvl="1"/>
+            <a:r>
               <a:rPr lang="en-US" dirty="0"/>
+              <a:t>An interface between application and transport layer. </a:t>
+            </a:r>
+          </a:p>
+          <a:p>
+            <a:pPr lvl="1"/>
+            <a:r>
+              <a:rPr lang="en-US" dirty="0"/>
+              <a:t>Application process can send and receive the message from/to another  application process via socket. </a:t>
+            </a:r>
+          </a:p>
+          <a:p>
+            <a:r>
+              <a:rPr lang="en-US" sz="2400" dirty="0"/>
               <a:t>Socket Address </a:t>
             </a:r>
           </a:p>
@@ -3967,10 +4311,26 @@
             </a:r>
           </a:p>
           <a:p>
+            <a:pPr marL="914400" lvl="2" indent="0">
+              <a:buNone/>
+            </a:pPr>
+            <a:r>
+              <a:rPr lang="en-US" dirty="0">
+                <a:highlight>
+                  <a:srgbClr val="FFFF00"/>
+                </a:highlight>
+              </a:rPr>
+              <a:t>192.168.1.1:8000 </a:t>
+            </a:r>
+          </a:p>
+          <a:p>
             <a:pPr marL="457200" lvl="1" indent="0">
               <a:buNone/>
             </a:pPr>
-            <a:endParaRPr lang="en-US" dirty="0"/>
+            <a:r>
+              <a:rPr lang="en-US" dirty="0"/>
+              <a:t>	</a:t>
+            </a:r>
           </a:p>
         </p:txBody>
       </p:sp>
@@ -4054,10 +4414,10 @@
       </p:grpSpPr>
       <p:sp>
         <p:nvSpPr>
-          <p:cNvPr id="2" name="Title 1">
-            <a:extLst>
-              <a:ext uri="{FF2B5EF4-FFF2-40B4-BE49-F238E27FC236}">
-                <a16:creationId xmlns:a16="http://schemas.microsoft.com/office/drawing/2014/main" id="{569DAD81-8F35-47EC-B04D-05ADBF23F082}"/>
+          <p:cNvPr id="7" name="Title 6">
+            <a:extLst>
+              <a:ext uri="{FF2B5EF4-FFF2-40B4-BE49-F238E27FC236}">
+                <a16:creationId xmlns:a16="http://schemas.microsoft.com/office/drawing/2014/main" id="{AA9D5283-6CF7-458A-8EEA-2606D360C8EE}"/>
               </a:ext>
             </a:extLst>
           </p:cNvPr>
@@ -4075,17 +4435,17 @@
           <a:p>
             <a:r>
               <a:rPr lang="en-US" dirty="0"/>
-              <a:t>Client and server Architecture</a:t>
-            </a:r>
-          </a:p>
-        </p:txBody>
-      </p:sp>
-      <p:sp>
-        <p:nvSpPr>
-          <p:cNvPr id="3" name="Content Placeholder 2">
-            <a:extLst>
-              <a:ext uri="{FF2B5EF4-FFF2-40B4-BE49-F238E27FC236}">
-                <a16:creationId xmlns:a16="http://schemas.microsoft.com/office/drawing/2014/main" id="{ED8AE5FE-1267-4800-A069-699FD4F8D6CF}"/>
+              <a:t>Socket types and families </a:t>
+            </a:r>
+          </a:p>
+        </p:txBody>
+      </p:sp>
+      <p:sp>
+        <p:nvSpPr>
+          <p:cNvPr id="8" name="Content Placeholder 7">
+            <a:extLst>
+              <a:ext uri="{FF2B5EF4-FFF2-40B4-BE49-F238E27FC236}">
+                <a16:creationId xmlns:a16="http://schemas.microsoft.com/office/drawing/2014/main" id="{61E64A62-2206-49D5-8DF7-909C7C745C5F}"/>
               </a:ext>
             </a:extLst>
           </p:cNvPr>
@@ -4098,17 +4458,35 @@
         </p:nvSpPr>
         <p:spPr/>
         <p:txBody>
-          <a:bodyPr/>
-          <a:lstStyle/>
-          <a:p>
-            <a:endParaRPr lang="en-US"/>
+          <a:bodyPr>
+            <a:normAutofit/>
+          </a:bodyPr>
+          <a:lstStyle/>
+          <a:p>
+            <a:r>
+              <a:rPr lang="en-US" dirty="0"/>
+              <a:t>/</a:t>
+            </a:r>
+            <a:r>
+              <a:rPr lang="en-US" dirty="0" err="1"/>
+              <a:t>usr</a:t>
+            </a:r>
+            <a:r>
+              <a:rPr lang="en-US" dirty="0"/>
+              <a:t>/include/sys/</a:t>
+            </a:r>
+            <a:r>
+              <a:rPr lang="en-US" dirty="0" err="1"/>
+              <a:t>socket.h</a:t>
+            </a:r>
+            <a:endParaRPr lang="en-US" dirty="0"/>
           </a:p>
         </p:txBody>
       </p:sp>
     </p:spTree>
     <p:extLst>
       <p:ext uri="{BB962C8B-B14F-4D97-AF65-F5344CB8AC3E}">
-        <p14:creationId xmlns:p14="http://schemas.microsoft.com/office/powerpoint/2010/main" val="2071458700"/>
+        <p14:creationId xmlns:p14="http://schemas.microsoft.com/office/powerpoint/2010/main" val="1093050029"/>
       </p:ext>
     </p:extLst>
   </p:cSld>
@@ -4220,10 +4598,10 @@
       </p:grpSpPr>
       <p:sp>
         <p:nvSpPr>
-          <p:cNvPr id="2" name="Title 1">
-            <a:extLst>
-              <a:ext uri="{FF2B5EF4-FFF2-40B4-BE49-F238E27FC236}">
-                <a16:creationId xmlns:a16="http://schemas.microsoft.com/office/drawing/2014/main" id="{D7BB37A1-8F3D-4558-B0D6-FFDBC8675713}"/>
+          <p:cNvPr id="4" name="Title 3">
+            <a:extLst>
+              <a:ext uri="{FF2B5EF4-FFF2-40B4-BE49-F238E27FC236}">
+                <a16:creationId xmlns:a16="http://schemas.microsoft.com/office/drawing/2014/main" id="{9C26A5D0-634A-4825-8968-2A87E8425CD7}"/>
               </a:ext>
             </a:extLst>
           </p:cNvPr>
@@ -4234,14 +4612,19 @@
             <p:ph type="title"/>
           </p:nvPr>
         </p:nvSpPr>
-        <p:spPr/>
+        <p:spPr>
+          <a:xfrm>
+            <a:off x="838200" y="365125"/>
+            <a:ext cx="10515600" cy="1325563"/>
+          </a:xfrm>
+        </p:spPr>
         <p:txBody>
           <a:bodyPr/>
           <a:lstStyle/>
           <a:p>
             <a:r>
               <a:rPr lang="en-US" dirty="0"/>
-              <a:t>Real time Application</a:t>
+              <a:t>Socket Address </a:t>
             </a:r>
           </a:p>
         </p:txBody>
@@ -4251,7 +4634,7 @@
           <p:cNvPr id="3" name="Content Placeholder 2">
             <a:extLst>
               <a:ext uri="{FF2B5EF4-FFF2-40B4-BE49-F238E27FC236}">
-                <a16:creationId xmlns:a16="http://schemas.microsoft.com/office/drawing/2014/main" id="{63B85EE0-75AD-4E56-B497-F568F22F9F48}"/>
+                <a16:creationId xmlns:a16="http://schemas.microsoft.com/office/drawing/2014/main" id="{ABBC0F99-20BD-4E8E-A2B6-DE3E685E88C8}"/>
               </a:ext>
             </a:extLst>
           </p:cNvPr>
@@ -4262,19 +4645,79 @@
             <p:ph idx="1"/>
           </p:nvPr>
         </p:nvSpPr>
-        <p:spPr/>
-        <p:txBody>
-          <a:bodyPr/>
-          <a:lstStyle/>
-          <a:p>
-            <a:endParaRPr lang="en-US"/>
+        <p:spPr>
+          <a:xfrm>
+            <a:off x="838200" y="1825625"/>
+            <a:ext cx="10515600" cy="4351338"/>
+          </a:xfrm>
+        </p:spPr>
+        <p:txBody>
+          <a:bodyPr>
+            <a:normAutofit/>
+          </a:bodyPr>
+          <a:lstStyle/>
+          <a:p>
+            <a:r>
+              <a:rPr lang="sv-SE" sz="1800"/>
+              <a:t>sock=socket.socket(socket.AF_INET,socket.SOCK_STREAM,0)</a:t>
+            </a:r>
+          </a:p>
+          <a:p>
+            <a:r>
+              <a:rPr lang="en-US" sz="1800">
+                <a:highlight>
+                  <a:srgbClr val="FFFF00"/>
+                </a:highlight>
+              </a:rPr>
+              <a:t>sock</a:t>
+            </a:r>
+          </a:p>
+          <a:p>
+            <a:r>
+              <a:rPr lang="en-US" sz="1800"/>
+              <a:t>&lt;socket.socket fd=444, family=AddressFamily.AF_INET, type=SocketKind.SOCK_STREAM, proto=0&gt;</a:t>
+            </a:r>
+          </a:p>
+          <a:p>
+            <a:r>
+              <a:rPr lang="en-US" sz="1800"/>
+              <a:t>sock.bind(('127.0.0.1',1111))</a:t>
+            </a:r>
+          </a:p>
+          <a:p>
+            <a:pPr lvl="1"/>
+            <a:r>
+              <a:rPr lang="en-US" sz="2000"/>
+              <a:t>set protocol to 0 to have socket choose the correct protocol based on type</a:t>
+            </a:r>
+          </a:p>
+          <a:p>
+            <a:r>
+              <a:rPr lang="en-US" sz="1800"/>
+              <a:t> </a:t>
+            </a:r>
+            <a:r>
+              <a:rPr lang="en-US" sz="1800">
+                <a:highlight>
+                  <a:srgbClr val="FFFF00"/>
+                </a:highlight>
+              </a:rPr>
+              <a:t>sock</a:t>
+            </a:r>
+          </a:p>
+          <a:p>
+            <a:r>
+              <a:rPr lang="en-US" sz="1800"/>
+              <a:t>&lt;socket.socket fd=444, family=AddressFamily.AF_INET, type=SocketKind.SOCK_STREAM, proto=0, laddr=('127.0.0.1', 1111)&gt;</a:t>
+            </a:r>
+            <a:endParaRPr lang="en-US" sz="1800" dirty="0"/>
           </a:p>
         </p:txBody>
       </p:sp>
     </p:spTree>
     <p:extLst>
       <p:ext uri="{BB962C8B-B14F-4D97-AF65-F5344CB8AC3E}">
-        <p14:creationId xmlns:p14="http://schemas.microsoft.com/office/powerpoint/2010/main" val="4049106838"/>
+        <p14:creationId xmlns:p14="http://schemas.microsoft.com/office/powerpoint/2010/main" val="1178923157"/>
       </p:ext>
     </p:extLst>
   </p:cSld>
@@ -4306,7 +4749,7 @@
           <p:cNvPr id="2" name="Title 1">
             <a:extLst>
               <a:ext uri="{FF2B5EF4-FFF2-40B4-BE49-F238E27FC236}">
-                <a16:creationId xmlns:a16="http://schemas.microsoft.com/office/drawing/2014/main" id="{9480C920-E4F0-47A8-9E3F-7F25C6F599DF}"/>
+                <a16:creationId xmlns:a16="http://schemas.microsoft.com/office/drawing/2014/main" id="{C75FC363-9CC4-4DF5-8805-367B316AA18D}"/>
               </a:ext>
             </a:extLst>
           </p:cNvPr>
@@ -4324,7 +4767,7 @@
           <a:p>
             <a:r>
               <a:rPr lang="en-US" dirty="0"/>
-              <a:t>Reference		</a:t>
+              <a:t>Socket function’s</a:t>
             </a:r>
           </a:p>
         </p:txBody>
@@ -4334,7 +4777,7 @@
           <p:cNvPr id="3" name="Content Placeholder 2">
             <a:extLst>
               <a:ext uri="{FF2B5EF4-FFF2-40B4-BE49-F238E27FC236}">
-                <a16:creationId xmlns:a16="http://schemas.microsoft.com/office/drawing/2014/main" id="{DF1C56D5-9ADB-4AE0-B5D1-8016D5D9AAC9}"/>
+                <a16:creationId xmlns:a16="http://schemas.microsoft.com/office/drawing/2014/main" id="{8823695F-483E-4852-AD71-32CCE44F9A8A}"/>
               </a:ext>
             </a:extLst>
           </p:cNvPr>
@@ -4349,30 +4792,6 @@
         <p:txBody>
           <a:bodyPr/>
           <a:lstStyle/>
-          <a:p>
-            <a:r>
-              <a:rPr lang="en-US" dirty="0">
-                <a:hlinkClick r:id="rId2"/>
-              </a:rPr>
-              <a:t>https://realpython.com/python-sockets/</a:t>
-            </a:r>
-            <a:r>
-              <a:rPr lang="en-US" dirty="0"/>
-              <a:t> </a:t>
-            </a:r>
-          </a:p>
-          <a:p>
-            <a:r>
-              <a:rPr lang="en-US" dirty="0">
-                <a:hlinkClick r:id="rId3"/>
-              </a:rPr>
-              <a:t>https://www.csd.uoc.gr/~hy556/material/tutorials/cs556-3rd-tutorial.pdf</a:t>
-            </a:r>
-            <a:r>
-              <a:rPr lang="en-US" dirty="0"/>
-              <a:t> </a:t>
-            </a:r>
-          </a:p>
           <a:p>
             <a:endParaRPr lang="en-US" dirty="0"/>
           </a:p>
@@ -4381,7 +4800,7 @@
     </p:spTree>
     <p:extLst>
       <p:ext uri="{BB962C8B-B14F-4D97-AF65-F5344CB8AC3E}">
-        <p14:creationId xmlns:p14="http://schemas.microsoft.com/office/powerpoint/2010/main" val="3994343"/>
+        <p14:creationId xmlns:p14="http://schemas.microsoft.com/office/powerpoint/2010/main" val="4036801375"/>
       </p:ext>
     </p:extLst>
   </p:cSld>

--- a/Socket-programming-python.pptx
+++ b/Socket-programming-python.pptx
@@ -11,12 +11,16 @@
     <p:sldId id="260" r:id="rId5"/>
     <p:sldId id="261" r:id="rId6"/>
     <p:sldId id="268" r:id="rId7"/>
-    <p:sldId id="263" r:id="rId8"/>
+    <p:sldId id="270" r:id="rId8"/>
     <p:sldId id="267" r:id="rId9"/>
-    <p:sldId id="269" r:id="rId10"/>
+    <p:sldId id="263" r:id="rId10"/>
     <p:sldId id="262" r:id="rId11"/>
     <p:sldId id="264" r:id="rId12"/>
-    <p:sldId id="265" r:id="rId13"/>
+    <p:sldId id="272" r:id="rId13"/>
+    <p:sldId id="273" r:id="rId14"/>
+    <p:sldId id="274" r:id="rId15"/>
+    <p:sldId id="275" r:id="rId16"/>
+    <p:sldId id="265" r:id="rId17"/>
   </p:sldIdLst>
   <p:sldSz cx="12192000" cy="6858000"/>
   <p:notesSz cx="6858000" cy="9144000"/>
@@ -115,6 +119,11 @@
       </a:defRPr>
     </a:lvl9pPr>
   </p:defaultTextStyle>
+  <p:extLst>
+    <p:ext uri="{EFAFB233-063F-42B5-8137-9DF3F51BA10A}">
+      <p15:sldGuideLst xmlns:p15="http://schemas.microsoft.com/office/powerpoint/2012/main"/>
+    </p:ext>
+  </p:extLst>
 </p:presentation>
 </file>
 
@@ -265,7 +274,7 @@
           <a:p>
             <a:fld id="{418F02D7-183B-44CE-B4CB-54E137CD9DC0}" type="datetimeFigureOut">
               <a:rPr lang="en-US" smtClean="0"/>
-              <a:t>5/6/2019</a:t>
+              <a:t>5/20/2019</a:t>
             </a:fld>
             <a:endParaRPr lang="en-US"/>
           </a:p>
@@ -463,7 +472,7 @@
           <a:p>
             <a:fld id="{418F02D7-183B-44CE-B4CB-54E137CD9DC0}" type="datetimeFigureOut">
               <a:rPr lang="en-US" smtClean="0"/>
-              <a:t>5/6/2019</a:t>
+              <a:t>5/20/2019</a:t>
             </a:fld>
             <a:endParaRPr lang="en-US"/>
           </a:p>
@@ -671,7 +680,7 @@
           <a:p>
             <a:fld id="{418F02D7-183B-44CE-B4CB-54E137CD9DC0}" type="datetimeFigureOut">
               <a:rPr lang="en-US" smtClean="0"/>
-              <a:t>5/6/2019</a:t>
+              <a:t>5/20/2019</a:t>
             </a:fld>
             <a:endParaRPr lang="en-US"/>
           </a:p>
@@ -869,7 +878,7 @@
           <a:p>
             <a:fld id="{418F02D7-183B-44CE-B4CB-54E137CD9DC0}" type="datetimeFigureOut">
               <a:rPr lang="en-US" smtClean="0"/>
-              <a:t>5/6/2019</a:t>
+              <a:t>5/20/2019</a:t>
             </a:fld>
             <a:endParaRPr lang="en-US"/>
           </a:p>
@@ -1144,7 +1153,7 @@
           <a:p>
             <a:fld id="{418F02D7-183B-44CE-B4CB-54E137CD9DC0}" type="datetimeFigureOut">
               <a:rPr lang="en-US" smtClean="0"/>
-              <a:t>5/6/2019</a:t>
+              <a:t>5/20/2019</a:t>
             </a:fld>
             <a:endParaRPr lang="en-US"/>
           </a:p>
@@ -1409,7 +1418,7 @@
           <a:p>
             <a:fld id="{418F02D7-183B-44CE-B4CB-54E137CD9DC0}" type="datetimeFigureOut">
               <a:rPr lang="en-US" smtClean="0"/>
-              <a:t>5/6/2019</a:t>
+              <a:t>5/20/2019</a:t>
             </a:fld>
             <a:endParaRPr lang="en-US"/>
           </a:p>
@@ -1821,7 +1830,7 @@
           <a:p>
             <a:fld id="{418F02D7-183B-44CE-B4CB-54E137CD9DC0}" type="datetimeFigureOut">
               <a:rPr lang="en-US" smtClean="0"/>
-              <a:t>5/6/2019</a:t>
+              <a:t>5/20/2019</a:t>
             </a:fld>
             <a:endParaRPr lang="en-US"/>
           </a:p>
@@ -1962,7 +1971,7 @@
           <a:p>
             <a:fld id="{418F02D7-183B-44CE-B4CB-54E137CD9DC0}" type="datetimeFigureOut">
               <a:rPr lang="en-US" smtClean="0"/>
-              <a:t>5/6/2019</a:t>
+              <a:t>5/20/2019</a:t>
             </a:fld>
             <a:endParaRPr lang="en-US"/>
           </a:p>
@@ -2075,7 +2084,7 @@
           <a:p>
             <a:fld id="{418F02D7-183B-44CE-B4CB-54E137CD9DC0}" type="datetimeFigureOut">
               <a:rPr lang="en-US" smtClean="0"/>
-              <a:t>5/6/2019</a:t>
+              <a:t>5/20/2019</a:t>
             </a:fld>
             <a:endParaRPr lang="en-US"/>
           </a:p>
@@ -2386,7 +2395,7 @@
           <a:p>
             <a:fld id="{418F02D7-183B-44CE-B4CB-54E137CD9DC0}" type="datetimeFigureOut">
               <a:rPr lang="en-US" smtClean="0"/>
-              <a:t>5/6/2019</a:t>
+              <a:t>5/20/2019</a:t>
             </a:fld>
             <a:endParaRPr lang="en-US"/>
           </a:p>
@@ -2674,7 +2683,7 @@
           <a:p>
             <a:fld id="{418F02D7-183B-44CE-B4CB-54E137CD9DC0}" type="datetimeFigureOut">
               <a:rPr lang="en-US" smtClean="0"/>
-              <a:t>5/6/2019</a:t>
+              <a:t>5/20/2019</a:t>
             </a:fld>
             <a:endParaRPr lang="en-US"/>
           </a:p>
@@ -2915,7 +2924,7 @@
           <a:p>
             <a:fld id="{418F02D7-183B-44CE-B4CB-54E137CD9DC0}" type="datetimeFigureOut">
               <a:rPr lang="en-US" smtClean="0"/>
-              <a:t>5/6/2019</a:t>
+              <a:t>5/20/2019</a:t>
             </a:fld>
             <a:endParaRPr lang="en-US"/>
           </a:p>
@@ -3013,10 +3022,10 @@
       </p:sp>
       <p:sp>
         <p:nvSpPr>
-          <p:cNvPr id="7" name="MSIPCMContentMarking" descr="{&quot;HashCode&quot;:-517929731,&quot;Placement&quot;:&quot;Footer&quot;}">
-            <a:extLst>
-              <a:ext uri="{FF2B5EF4-FFF2-40B4-BE49-F238E27FC236}">
-                <a16:creationId xmlns:a16="http://schemas.microsoft.com/office/drawing/2014/main" id="{212187C8-9600-4569-9C02-4D54413DB576}"/>
+          <p:cNvPr id="8" name="MSIPCMContentMarking" descr="{&quot;HashCode&quot;:-517929731,&quot;Placement&quot;:&quot;Footer&quot;}">
+            <a:extLst>
+              <a:ext uri="{FF2B5EF4-FFF2-40B4-BE49-F238E27FC236}">
+                <a16:creationId xmlns:a16="http://schemas.microsoft.com/office/drawing/2014/main" id="{0042EADA-74EE-47FD-989F-3BC87C5802C4}"/>
               </a:ext>
             </a:extLst>
           </p:cNvPr>
@@ -3628,7 +3637,7 @@
             <a:pPr lvl="1"/>
             <a:r>
               <a:rPr lang="en-US" dirty="0"/>
-              <a:t>Going to test at echo server and client </a:t>
+              <a:t>Going to test with echo server and client </a:t>
             </a:r>
           </a:p>
           <a:p>
@@ -3673,6 +3682,14 @@
 <file path=ppt/slides/slide12.xml><?xml version="1.0" encoding="utf-8"?>
 <p:sld xmlns:a="http://schemas.openxmlformats.org/drawingml/2006/main" xmlns:r="http://schemas.openxmlformats.org/officeDocument/2006/relationships" xmlns:p="http://schemas.openxmlformats.org/presentationml/2006/main">
   <p:cSld>
+    <p:bg>
+      <p:bgPr>
+        <a:solidFill>
+          <a:schemeClr val="bg1"/>
+        </a:solidFill>
+        <a:effectLst/>
+      </p:bgPr>
+    </p:bg>
     <p:spTree>
       <p:nvGrpSpPr>
         <p:cNvPr id="1" name=""/>
@@ -3689,6 +3706,551 @@
       </p:grpSpPr>
       <p:sp>
         <p:nvSpPr>
+          <p:cNvPr id="19" name="Rectangle 14">
+            <a:extLst>
+              <a:ext uri="{FF2B5EF4-FFF2-40B4-BE49-F238E27FC236}">
+                <a16:creationId xmlns:a16="http://schemas.microsoft.com/office/drawing/2014/main" id="{81AEB8A9-B768-4E30-BA55-D919E6687343}"/>
+              </a:ext>
+              <a:ext uri="{C183D7F6-B498-43B3-948B-1728B52AA6E4}">
+                <adec:decorative xmlns:adec="http://schemas.microsoft.com/office/drawing/2017/decorative" val="1"/>
+              </a:ext>
+            </a:extLst>
+          </p:cNvPr>
+          <p:cNvSpPr>
+            <a:spLocks noGrp="1" noRot="1" noChangeAspect="1" noMove="1" noResize="1" noEditPoints="1" noAdjustHandles="1" noChangeArrowheads="1" noChangeShapeType="1" noTextEdit="1"/>
+          </p:cNvSpPr>
+          <p:nvPr>
+            <p:extLst>
+              <p:ext uri="{386F3935-93C4-4BCD-93E2-E3B085C9AB24}">
+                <p16:designElem xmlns:p16="http://schemas.microsoft.com/office/powerpoint/2015/main" val="1"/>
+              </p:ext>
+            </p:extLst>
+          </p:nvPr>
+        </p:nvSpPr>
+        <p:spPr>
+          <a:xfrm>
+            <a:off x="-10001" y="-2"/>
+            <a:ext cx="4069936" cy="6858002"/>
+          </a:xfrm>
+          <a:prstGeom prst="rect">
+            <a:avLst/>
+          </a:prstGeom>
+          <a:solidFill>
+            <a:schemeClr val="accent1"/>
+          </a:solidFill>
+          <a:ln>
+            <a:noFill/>
+          </a:ln>
+        </p:spPr>
+        <p:style>
+          <a:lnRef idx="2">
+            <a:schemeClr val="accent1">
+              <a:shade val="50000"/>
+            </a:schemeClr>
+          </a:lnRef>
+          <a:fillRef idx="1">
+            <a:schemeClr val="accent1"/>
+          </a:fillRef>
+          <a:effectRef idx="0">
+            <a:schemeClr val="accent1"/>
+          </a:effectRef>
+          <a:fontRef idx="minor">
+            <a:schemeClr val="lt1"/>
+          </a:fontRef>
+        </p:style>
+        <p:txBody>
+          <a:bodyPr rtlCol="0" anchor="ctr"/>
+          <a:lstStyle/>
+          <a:p>
+            <a:pPr marL="0" marR="0" lvl="0" indent="0" algn="ctr" defTabSz="914400" rtl="0" eaLnBrk="1" fontAlgn="auto" latinLnBrk="0" hangingPunct="1">
+              <a:lnSpc>
+                <a:spcPct val="100000"/>
+              </a:lnSpc>
+              <a:spcBef>
+                <a:spcPts val="0"/>
+              </a:spcBef>
+              <a:spcAft>
+                <a:spcPts val="0"/>
+              </a:spcAft>
+              <a:buClrTx/>
+              <a:buSzTx/>
+              <a:buFontTx/>
+              <a:buNone/>
+              <a:tabLst/>
+              <a:defRPr/>
+            </a:pPr>
+            <a:endParaRPr kumimoji="0" lang="en-US" sz="1800" b="0" i="0" u="none" strike="noStrike" kern="1200" cap="none" spc="0" normalizeH="0" baseline="0" noProof="0">
+              <a:ln>
+                <a:noFill/>
+              </a:ln>
+              <a:solidFill>
+                <a:prstClr val="white"/>
+              </a:solidFill>
+              <a:effectLst/>
+              <a:uLnTx/>
+              <a:uFillTx/>
+              <a:latin typeface="Calibri" panose="020F0502020204030204"/>
+              <a:ea typeface="+mn-ea"/>
+              <a:cs typeface="+mn-cs"/>
+            </a:endParaRPr>
+          </a:p>
+        </p:txBody>
+      </p:sp>
+      <p:sp>
+        <p:nvSpPr>
+          <p:cNvPr id="2" name="Title 1">
+            <a:extLst>
+              <a:ext uri="{FF2B5EF4-FFF2-40B4-BE49-F238E27FC236}">
+                <a16:creationId xmlns:a16="http://schemas.microsoft.com/office/drawing/2014/main" id="{C31FC640-A87D-4CAA-A812-7A1EAA155111}"/>
+              </a:ext>
+            </a:extLst>
+          </p:cNvPr>
+          <p:cNvSpPr>
+            <a:spLocks noGrp="1"/>
+          </p:cNvSpPr>
+          <p:nvPr>
+            <p:ph type="title"/>
+          </p:nvPr>
+        </p:nvSpPr>
+        <p:spPr>
+          <a:xfrm>
+            <a:off x="643467" y="640080"/>
+            <a:ext cx="3096427" cy="5613236"/>
+          </a:xfrm>
+          <a:prstGeom prst="ellipse">
+            <a:avLst/>
+          </a:prstGeom>
+        </p:spPr>
+        <p:txBody>
+          <a:bodyPr anchor="ctr">
+            <a:normAutofit/>
+          </a:bodyPr>
+          <a:lstStyle/>
+          <a:p>
+            <a:r>
+              <a:rPr lang="en-US" sz="3400">
+                <a:solidFill>
+                  <a:srgbClr val="FFFFFF"/>
+                </a:solidFill>
+              </a:rPr>
+              <a:t>Interaction with web Host</a:t>
+            </a:r>
+          </a:p>
+        </p:txBody>
+      </p:sp>
+      <p:sp>
+        <p:nvSpPr>
+          <p:cNvPr id="3" name="Content Placeholder 2">
+            <a:extLst>
+              <a:ext uri="{FF2B5EF4-FFF2-40B4-BE49-F238E27FC236}">
+                <a16:creationId xmlns:a16="http://schemas.microsoft.com/office/drawing/2014/main" id="{5A31B0B4-CE10-43FF-93FB-BBB149582A18}"/>
+              </a:ext>
+            </a:extLst>
+          </p:cNvPr>
+          <p:cNvSpPr>
+            <a:spLocks noGrp="1"/>
+          </p:cNvSpPr>
+          <p:nvPr>
+            <p:ph idx="1"/>
+          </p:nvPr>
+        </p:nvSpPr>
+        <p:spPr>
+          <a:xfrm>
+            <a:off x="4699818" y="640082"/>
+            <a:ext cx="6848715" cy="2484884"/>
+          </a:xfrm>
+        </p:spPr>
+        <p:txBody>
+          <a:bodyPr anchor="ctr">
+            <a:normAutofit/>
+          </a:bodyPr>
+          <a:lstStyle/>
+          <a:p>
+            <a:endParaRPr lang="en-US" sz="2000"/>
+          </a:p>
+          <a:p>
+            <a:endParaRPr lang="en-US" sz="2000"/>
+          </a:p>
+          <a:p>
+            <a:endParaRPr lang="en-US" sz="2000"/>
+          </a:p>
+          <a:p>
+            <a:endParaRPr lang="en-US" sz="2000"/>
+          </a:p>
+          <a:p>
+            <a:endParaRPr lang="en-US" sz="2000"/>
+          </a:p>
+          <a:p>
+            <a:endParaRPr lang="en-US" sz="2000"/>
+          </a:p>
+        </p:txBody>
+      </p:sp>
+      <p:pic>
+        <p:nvPicPr>
+          <p:cNvPr id="5" name="Picture 4">
+            <a:extLst>
+              <a:ext uri="{FF2B5EF4-FFF2-40B4-BE49-F238E27FC236}">
+                <a16:creationId xmlns:a16="http://schemas.microsoft.com/office/drawing/2014/main" id="{CB59DA06-CD86-4FB3-A003-182B5D9B9BA1}"/>
+              </a:ext>
+            </a:extLst>
+          </p:cNvPr>
+          <p:cNvPicPr>
+            <a:picLocks noChangeAspect="1"/>
+          </p:cNvPicPr>
+          <p:nvPr/>
+        </p:nvPicPr>
+        <p:blipFill>
+          <a:blip r:embed="rId2">
+            <a:extLst>
+              <a:ext uri="{28A0092B-C50C-407E-A947-70E740481C1C}">
+                <a14:useLocalDpi xmlns:a14="http://schemas.microsoft.com/office/drawing/2010/main" val="0"/>
+              </a:ext>
+            </a:extLst>
+          </a:blip>
+          <a:stretch>
+            <a:fillRect/>
+          </a:stretch>
+        </p:blipFill>
+        <p:spPr>
+          <a:xfrm>
+            <a:off x="3314700" y="326791"/>
+            <a:ext cx="8788400" cy="6005649"/>
+          </a:xfrm>
+          <a:prstGeom prst="rect">
+            <a:avLst/>
+          </a:prstGeom>
+        </p:spPr>
+      </p:pic>
+    </p:spTree>
+    <p:extLst>
+      <p:ext uri="{BB962C8B-B14F-4D97-AF65-F5344CB8AC3E}">
+        <p14:creationId xmlns:p14="http://schemas.microsoft.com/office/powerpoint/2010/main" val="2266502719"/>
+      </p:ext>
+    </p:extLst>
+  </p:cSld>
+  <p:clrMapOvr>
+    <a:masterClrMapping/>
+  </p:clrMapOvr>
+</p:sld>
+</file>
+
+<file path=ppt/slides/slide13.xml><?xml version="1.0" encoding="utf-8"?>
+<p:sld xmlns:a="http://schemas.openxmlformats.org/drawingml/2006/main" xmlns:r="http://schemas.openxmlformats.org/officeDocument/2006/relationships" xmlns:p="http://schemas.openxmlformats.org/presentationml/2006/main">
+  <p:cSld>
+    <p:spTree>
+      <p:nvGrpSpPr>
+        <p:cNvPr id="1" name=""/>
+        <p:cNvGrpSpPr/>
+        <p:nvPr/>
+      </p:nvGrpSpPr>
+      <p:grpSpPr>
+        <a:xfrm>
+          <a:off x="0" y="0"/>
+          <a:ext cx="0" cy="0"/>
+          <a:chOff x="0" y="0"/>
+          <a:chExt cx="0" cy="0"/>
+        </a:xfrm>
+      </p:grpSpPr>
+      <p:sp>
+        <p:nvSpPr>
+          <p:cNvPr id="2" name="Title 1">
+            <a:extLst>
+              <a:ext uri="{FF2B5EF4-FFF2-40B4-BE49-F238E27FC236}">
+                <a16:creationId xmlns:a16="http://schemas.microsoft.com/office/drawing/2014/main" id="{2CC27C81-8DCB-4443-8B8A-D8F6246E170B}"/>
+              </a:ext>
+            </a:extLst>
+          </p:cNvPr>
+          <p:cNvSpPr>
+            <a:spLocks noGrp="1"/>
+          </p:cNvSpPr>
+          <p:nvPr>
+            <p:ph type="title"/>
+          </p:nvPr>
+        </p:nvSpPr>
+        <p:spPr/>
+        <p:txBody>
+          <a:bodyPr/>
+          <a:lstStyle/>
+          <a:p>
+            <a:r>
+              <a:rPr lang="en-US" dirty="0"/>
+              <a:t>Web Reference:</a:t>
+            </a:r>
+          </a:p>
+        </p:txBody>
+      </p:sp>
+      <p:sp>
+        <p:nvSpPr>
+          <p:cNvPr id="3" name="Content Placeholder 2">
+            <a:extLst>
+              <a:ext uri="{FF2B5EF4-FFF2-40B4-BE49-F238E27FC236}">
+                <a16:creationId xmlns:a16="http://schemas.microsoft.com/office/drawing/2014/main" id="{F792D7BB-039B-4E49-BE16-7375C4336307}"/>
+              </a:ext>
+            </a:extLst>
+          </p:cNvPr>
+          <p:cNvSpPr>
+            <a:spLocks noGrp="1"/>
+          </p:cNvSpPr>
+          <p:nvPr>
+            <p:ph idx="1"/>
+          </p:nvPr>
+        </p:nvSpPr>
+        <p:spPr/>
+        <p:txBody>
+          <a:bodyPr/>
+          <a:lstStyle/>
+          <a:p>
+            <a:r>
+              <a:rPr lang="en-US" dirty="0">
+                <a:hlinkClick r:id="rId2"/>
+              </a:rPr>
+              <a:t>https://stackoverflow.com/questions/10600235/a-python-socket-client-that-outputs-the-source-code-of-a-website-why-isnt-this</a:t>
+            </a:r>
+            <a:r>
+              <a:rPr lang="en-US" dirty="0"/>
+              <a:t> </a:t>
+            </a:r>
+          </a:p>
+          <a:p>
+            <a:endParaRPr lang="en-US" dirty="0"/>
+          </a:p>
+          <a:p>
+            <a:r>
+              <a:rPr lang="en-US" dirty="0">
+                <a:hlinkClick r:id="rId3"/>
+              </a:rPr>
+              <a:t>https://www.geeksforgeeks.org/get-post-requests-using-python/</a:t>
+            </a:r>
+            <a:r>
+              <a:rPr lang="en-US" dirty="0"/>
+              <a:t> </a:t>
+            </a:r>
+          </a:p>
+          <a:p>
+            <a:endParaRPr lang="en-US" dirty="0"/>
+          </a:p>
+        </p:txBody>
+      </p:sp>
+    </p:spTree>
+    <p:extLst>
+      <p:ext uri="{BB962C8B-B14F-4D97-AF65-F5344CB8AC3E}">
+        <p14:creationId xmlns:p14="http://schemas.microsoft.com/office/powerpoint/2010/main" val="1968107891"/>
+      </p:ext>
+    </p:extLst>
+  </p:cSld>
+  <p:clrMapOvr>
+    <a:masterClrMapping/>
+  </p:clrMapOvr>
+</p:sld>
+</file>
+
+<file path=ppt/slides/slide14.xml><?xml version="1.0" encoding="utf-8"?>
+<p:sld xmlns:a="http://schemas.openxmlformats.org/drawingml/2006/main" xmlns:r="http://schemas.openxmlformats.org/officeDocument/2006/relationships" xmlns:p="http://schemas.openxmlformats.org/presentationml/2006/main">
+  <p:cSld>
+    <p:spTree>
+      <p:nvGrpSpPr>
+        <p:cNvPr id="1" name=""/>
+        <p:cNvGrpSpPr/>
+        <p:nvPr/>
+      </p:nvGrpSpPr>
+      <p:grpSpPr>
+        <a:xfrm>
+          <a:off x="0" y="0"/>
+          <a:ext cx="0" cy="0"/>
+          <a:chOff x="0" y="0"/>
+          <a:chExt cx="0" cy="0"/>
+        </a:xfrm>
+      </p:grpSpPr>
+      <p:sp>
+        <p:nvSpPr>
+          <p:cNvPr id="2" name="Title 1">
+            <a:extLst>
+              <a:ext uri="{FF2B5EF4-FFF2-40B4-BE49-F238E27FC236}">
+                <a16:creationId xmlns:a16="http://schemas.microsoft.com/office/drawing/2014/main" id="{591EE5B2-BDC8-4793-A6E6-C38E691379A1}"/>
+              </a:ext>
+            </a:extLst>
+          </p:cNvPr>
+          <p:cNvSpPr>
+            <a:spLocks noGrp="1"/>
+          </p:cNvSpPr>
+          <p:nvPr>
+            <p:ph type="title"/>
+          </p:nvPr>
+        </p:nvSpPr>
+        <p:spPr/>
+        <p:txBody>
+          <a:bodyPr/>
+          <a:lstStyle/>
+          <a:p>
+            <a:r>
+              <a:rPr lang="en-US" dirty="0"/>
+              <a:t>FTP</a:t>
+            </a:r>
+          </a:p>
+        </p:txBody>
+      </p:sp>
+      <p:sp>
+        <p:nvSpPr>
+          <p:cNvPr id="3" name="Content Placeholder 2">
+            <a:extLst>
+              <a:ext uri="{FF2B5EF4-FFF2-40B4-BE49-F238E27FC236}">
+                <a16:creationId xmlns:a16="http://schemas.microsoft.com/office/drawing/2014/main" id="{44A1007F-502B-4667-A000-585D6C23E5E4}"/>
+              </a:ext>
+            </a:extLst>
+          </p:cNvPr>
+          <p:cNvSpPr>
+            <a:spLocks noGrp="1"/>
+          </p:cNvSpPr>
+          <p:nvPr>
+            <p:ph idx="1"/>
+          </p:nvPr>
+        </p:nvSpPr>
+        <p:spPr/>
+        <p:txBody>
+          <a:bodyPr/>
+          <a:lstStyle/>
+          <a:p>
+            <a:r>
+              <a:rPr lang="en-US" dirty="0">
+                <a:hlinkClick r:id="rId2"/>
+              </a:rPr>
+              <a:t>https://docs.python.org/3/library/ftplib.html</a:t>
+            </a:r>
+            <a:r>
+              <a:rPr lang="en-US" dirty="0"/>
+              <a:t> </a:t>
+            </a:r>
+          </a:p>
+        </p:txBody>
+      </p:sp>
+    </p:spTree>
+    <p:extLst>
+      <p:ext uri="{BB962C8B-B14F-4D97-AF65-F5344CB8AC3E}">
+        <p14:creationId xmlns:p14="http://schemas.microsoft.com/office/powerpoint/2010/main" val="1475429539"/>
+      </p:ext>
+    </p:extLst>
+  </p:cSld>
+  <p:clrMapOvr>
+    <a:masterClrMapping/>
+  </p:clrMapOvr>
+</p:sld>
+</file>
+
+<file path=ppt/slides/slide15.xml><?xml version="1.0" encoding="utf-8"?>
+<p:sld xmlns:a="http://schemas.openxmlformats.org/drawingml/2006/main" xmlns:r="http://schemas.openxmlformats.org/officeDocument/2006/relationships" xmlns:p="http://schemas.openxmlformats.org/presentationml/2006/main">
+  <p:cSld>
+    <p:spTree>
+      <p:nvGrpSpPr>
+        <p:cNvPr id="1" name=""/>
+        <p:cNvGrpSpPr/>
+        <p:nvPr/>
+      </p:nvGrpSpPr>
+      <p:grpSpPr>
+        <a:xfrm>
+          <a:off x="0" y="0"/>
+          <a:ext cx="0" cy="0"/>
+          <a:chOff x="0" y="0"/>
+          <a:chExt cx="0" cy="0"/>
+        </a:xfrm>
+      </p:grpSpPr>
+      <p:sp>
+        <p:nvSpPr>
+          <p:cNvPr id="2" name="Title 1">
+            <a:extLst>
+              <a:ext uri="{FF2B5EF4-FFF2-40B4-BE49-F238E27FC236}">
+                <a16:creationId xmlns:a16="http://schemas.microsoft.com/office/drawing/2014/main" id="{0A38EBB2-5145-48A4-A855-8061E833678E}"/>
+              </a:ext>
+            </a:extLst>
+          </p:cNvPr>
+          <p:cNvSpPr>
+            <a:spLocks noGrp="1"/>
+          </p:cNvSpPr>
+          <p:nvPr>
+            <p:ph type="title"/>
+          </p:nvPr>
+        </p:nvSpPr>
+        <p:spPr/>
+        <p:txBody>
+          <a:bodyPr/>
+          <a:lstStyle/>
+          <a:p>
+            <a:r>
+              <a:rPr lang="en-US" dirty="0"/>
+              <a:t>Network sniffing</a:t>
+            </a:r>
+          </a:p>
+        </p:txBody>
+      </p:sp>
+      <p:sp>
+        <p:nvSpPr>
+          <p:cNvPr id="3" name="Content Placeholder 2">
+            <a:extLst>
+              <a:ext uri="{FF2B5EF4-FFF2-40B4-BE49-F238E27FC236}">
+                <a16:creationId xmlns:a16="http://schemas.microsoft.com/office/drawing/2014/main" id="{E5391ACB-7BDE-4E8C-8B9B-52CC9B3C2C8F}"/>
+              </a:ext>
+            </a:extLst>
+          </p:cNvPr>
+          <p:cNvSpPr>
+            <a:spLocks noGrp="1"/>
+          </p:cNvSpPr>
+          <p:nvPr>
+            <p:ph idx="1"/>
+          </p:nvPr>
+        </p:nvSpPr>
+        <p:spPr/>
+        <p:txBody>
+          <a:bodyPr/>
+          <a:lstStyle/>
+          <a:p>
+            <a:r>
+              <a:rPr lang="en-US" dirty="0" err="1"/>
+              <a:t>Scapy</a:t>
+            </a:r>
+            <a:r>
+              <a:rPr lang="en-US" dirty="0"/>
+              <a:t>  python lib</a:t>
+            </a:r>
+          </a:p>
+          <a:p>
+            <a:endParaRPr lang="en-US" dirty="0"/>
+          </a:p>
+          <a:p>
+            <a:endParaRPr lang="en-US" dirty="0"/>
+          </a:p>
+        </p:txBody>
+      </p:sp>
+    </p:spTree>
+    <p:extLst>
+      <p:ext uri="{BB962C8B-B14F-4D97-AF65-F5344CB8AC3E}">
+        <p14:creationId xmlns:p14="http://schemas.microsoft.com/office/powerpoint/2010/main" val="760868226"/>
+      </p:ext>
+    </p:extLst>
+  </p:cSld>
+  <p:clrMapOvr>
+    <a:masterClrMapping/>
+  </p:clrMapOvr>
+</p:sld>
+</file>
+
+<file path=ppt/slides/slide16.xml><?xml version="1.0" encoding="utf-8"?>
+<p:sld xmlns:a="http://schemas.openxmlformats.org/drawingml/2006/main" xmlns:r="http://schemas.openxmlformats.org/officeDocument/2006/relationships" xmlns:p="http://schemas.openxmlformats.org/presentationml/2006/main">
+  <p:cSld>
+    <p:spTree>
+      <p:nvGrpSpPr>
+        <p:cNvPr id="1" name=""/>
+        <p:cNvGrpSpPr/>
+        <p:nvPr/>
+      </p:nvGrpSpPr>
+      <p:grpSpPr>
+        <a:xfrm>
+          <a:off x="0" y="0"/>
+          <a:ext cx="0" cy="0"/>
+          <a:chOff x="0" y="0"/>
+          <a:chExt cx="0" cy="0"/>
+        </a:xfrm>
+      </p:grpSpPr>
+      <p:sp>
+        <p:nvSpPr>
           <p:cNvPr id="2" name="Title 1">
             <a:extLst>
               <a:ext uri="{FF2B5EF4-FFF2-40B4-BE49-F238E27FC236}">
@@ -3765,6 +4327,18 @@
                 <a:hlinkClick r:id="rId4"/>
               </a:rPr>
               <a:t>http://home.iitk.ac.in/~chebrolu/ee673-f06/sockets.pdf</a:t>
+            </a:r>
+            <a:r>
+              <a:rPr lang="en-US" dirty="0"/>
+              <a:t> </a:t>
+            </a:r>
+          </a:p>
+          <a:p>
+            <a:r>
+              <a:rPr lang="en-US" dirty="0">
+                <a:hlinkClick r:id="rId5"/>
+              </a:rPr>
+              <a:t>https://www.quora.com/Whats-the-difference-between-the-AF_PACKET-and-AF_INET-in-python-socket</a:t>
             </a:r>
             <a:r>
               <a:rPr lang="en-US" dirty="0"/>
@@ -4465,7 +5039,7 @@
           <a:p>
             <a:r>
               <a:rPr lang="en-US" dirty="0"/>
-              <a:t>/</a:t>
+              <a:t>Check  /</a:t>
             </a:r>
             <a:r>
               <a:rPr lang="en-US" dirty="0" err="1"/>
@@ -4479,6 +5053,39 @@
               <a:rPr lang="en-US" dirty="0" err="1"/>
               <a:t>socket.h</a:t>
             </a:r>
+            <a:r>
+              <a:rPr lang="en-US" dirty="0"/>
+              <a:t> file for interface &amp; family details.</a:t>
+            </a:r>
+          </a:p>
+          <a:p>
+            <a:pPr marL="0" indent="0">
+              <a:buNone/>
+            </a:pPr>
+            <a:r>
+              <a:rPr lang="en-US" dirty="0"/>
+              <a:t>AF_* =&gt; Address family</a:t>
+            </a:r>
+          </a:p>
+          <a:p>
+            <a:pPr marL="0" indent="0">
+              <a:buNone/>
+            </a:pPr>
+            <a:r>
+              <a:rPr lang="en-US" dirty="0"/>
+              <a:t>PF_*  =&gt; Protocol Family </a:t>
+            </a:r>
+          </a:p>
+          <a:p>
+            <a:r>
+              <a:rPr lang="en-US" dirty="0"/>
+              <a:t>Socket and subsequent attributes defined based on  Address family</a:t>
+            </a:r>
+          </a:p>
+          <a:p>
+            <a:endParaRPr lang="en-US" dirty="0"/>
+          </a:p>
+          <a:p>
             <a:endParaRPr lang="en-US" dirty="0"/>
           </a:p>
         </p:txBody>
@@ -4515,52 +5122,652 @@
       </p:grpSpPr>
       <p:sp>
         <p:nvSpPr>
-          <p:cNvPr id="2" name="Title 1">
-            <a:extLst>
-              <a:ext uri="{FF2B5EF4-FFF2-40B4-BE49-F238E27FC236}">
-                <a16:creationId xmlns:a16="http://schemas.microsoft.com/office/drawing/2014/main" id="{AFBF1953-C206-438D-AC9B-E180333B60A7}"/>
-              </a:ext>
-            </a:extLst>
-          </p:cNvPr>
-          <p:cNvSpPr>
-            <a:spLocks noGrp="1"/>
-          </p:cNvSpPr>
-          <p:nvPr>
-            <p:ph type="title"/>
-          </p:nvPr>
-        </p:nvSpPr>
-        <p:spPr/>
+          <p:cNvPr id="12" name="Text Placeholder 11">
+            <a:extLst>
+              <a:ext uri="{FF2B5EF4-FFF2-40B4-BE49-F238E27FC236}">
+                <a16:creationId xmlns:a16="http://schemas.microsoft.com/office/drawing/2014/main" id="{875D5C1B-9B0C-498E-8EA3-54B45622D8CA}"/>
+              </a:ext>
+            </a:extLst>
+          </p:cNvPr>
+          <p:cNvSpPr>
+            <a:spLocks noGrp="1"/>
+          </p:cNvSpPr>
+          <p:nvPr>
+            <p:ph type="body" idx="1"/>
+          </p:nvPr>
+        </p:nvSpPr>
+        <p:spPr>
+          <a:xfrm>
+            <a:off x="839788" y="508001"/>
+            <a:ext cx="5157787" cy="698500"/>
+          </a:xfrm>
+        </p:spPr>
         <p:txBody>
           <a:bodyPr/>
           <a:lstStyle/>
           <a:p>
             <a:r>
               <a:rPr lang="en-US" dirty="0"/>
-              <a:t>Socket Python module </a:t>
-            </a:r>
-          </a:p>
-        </p:txBody>
-      </p:sp>
-      <p:sp>
-        <p:nvSpPr>
-          <p:cNvPr id="3" name="Content Placeholder 2">
-            <a:extLst>
-              <a:ext uri="{FF2B5EF4-FFF2-40B4-BE49-F238E27FC236}">
-                <a16:creationId xmlns:a16="http://schemas.microsoft.com/office/drawing/2014/main" id="{EE3E659C-C02D-4AF5-8EBF-CFEEC3984EA8}"/>
-              </a:ext>
-            </a:extLst>
-          </p:cNvPr>
-          <p:cNvSpPr>
-            <a:spLocks noGrp="1"/>
-          </p:cNvSpPr>
-          <p:nvPr>
-            <p:ph idx="1"/>
-          </p:nvPr>
-        </p:nvSpPr>
-        <p:spPr/>
-        <p:txBody>
-          <a:bodyPr/>
-          <a:lstStyle/>
+              <a:t>Address Family </a:t>
+            </a:r>
+          </a:p>
+        </p:txBody>
+      </p:sp>
+      <p:sp>
+        <p:nvSpPr>
+          <p:cNvPr id="13" name="Text Placeholder 12">
+            <a:extLst>
+              <a:ext uri="{FF2B5EF4-FFF2-40B4-BE49-F238E27FC236}">
+                <a16:creationId xmlns:a16="http://schemas.microsoft.com/office/drawing/2014/main" id="{E41FE295-193B-49B1-929A-11D8BAEA462F}"/>
+              </a:ext>
+            </a:extLst>
+          </p:cNvPr>
+          <p:cNvSpPr>
+            <a:spLocks noGrp="1"/>
+          </p:cNvSpPr>
+          <p:nvPr>
+            <p:ph type="body" sz="quarter" idx="3"/>
+          </p:nvPr>
+        </p:nvSpPr>
+        <p:spPr>
+          <a:xfrm>
+            <a:off x="6172200" y="393700"/>
+            <a:ext cx="5183188" cy="812801"/>
+          </a:xfrm>
+        </p:spPr>
+        <p:txBody>
+          <a:bodyPr/>
+          <a:lstStyle/>
+          <a:p>
+            <a:r>
+              <a:rPr lang="en-US" dirty="0"/>
+              <a:t>Socket types</a:t>
+            </a:r>
+          </a:p>
+        </p:txBody>
+      </p:sp>
+      <p:sp>
+        <p:nvSpPr>
+          <p:cNvPr id="7" name="Rectangle 6">
+            <a:extLst>
+              <a:ext uri="{FF2B5EF4-FFF2-40B4-BE49-F238E27FC236}">
+                <a16:creationId xmlns:a16="http://schemas.microsoft.com/office/drawing/2014/main" id="{013965D4-6E14-4DB4-ADAB-5D6E378025DC}"/>
+              </a:ext>
+            </a:extLst>
+          </p:cNvPr>
+          <p:cNvSpPr/>
+          <p:nvPr/>
+        </p:nvSpPr>
+        <p:spPr>
+          <a:xfrm>
+            <a:off x="598488" y="2103437"/>
+            <a:ext cx="2400300" cy="1325563"/>
+          </a:xfrm>
+          <a:prstGeom prst="rect">
+            <a:avLst/>
+          </a:prstGeom>
+          <a:ln>
+            <a:noFill/>
+          </a:ln>
+          <a:effectLst>
+            <a:outerShdw blurRad="107950" dist="12700" dir="5400000" algn="ctr">
+              <a:srgbClr val="000000"/>
+            </a:outerShdw>
+          </a:effectLst>
+          <a:scene3d>
+            <a:camera prst="orthographicFront">
+              <a:rot lat="0" lon="0" rev="0"/>
+            </a:camera>
+            <a:lightRig rig="soft" dir="t">
+              <a:rot lat="0" lon="0" rev="0"/>
+            </a:lightRig>
+          </a:scene3d>
+          <a:sp3d contourW="44450" prstMaterial="matte">
+            <a:bevelT w="63500" h="63500" prst="artDeco"/>
+            <a:contourClr>
+              <a:srgbClr val="FFFFFF"/>
+            </a:contourClr>
+          </a:sp3d>
+        </p:spPr>
+        <p:style>
+          <a:lnRef idx="2">
+            <a:schemeClr val="accent3"/>
+          </a:lnRef>
+          <a:fillRef idx="1">
+            <a:schemeClr val="lt1"/>
+          </a:fillRef>
+          <a:effectRef idx="0">
+            <a:schemeClr val="accent3"/>
+          </a:effectRef>
+          <a:fontRef idx="minor">
+            <a:schemeClr val="dk1"/>
+          </a:fontRef>
+        </p:style>
+        <p:txBody>
+          <a:bodyPr rtlCol="0" anchor="ctr"/>
+          <a:lstStyle/>
+          <a:p>
+            <a:pPr lvl="0" eaLnBrk="0" fontAlgn="base" hangingPunct="0">
+              <a:spcBef>
+                <a:spcPct val="0"/>
+              </a:spcBef>
+              <a:spcAft>
+                <a:spcPct val="0"/>
+              </a:spcAft>
+            </a:pPr>
+            <a:r>
+              <a:rPr lang="en-US" altLang="en-US" dirty="0" err="1">
+                <a:ln w="0"/>
+                <a:solidFill>
+                  <a:schemeClr val="accent1"/>
+                </a:solidFill>
+                <a:effectLst>
+                  <a:outerShdw blurRad="38100" dist="25400" dir="5400000" algn="ctr" rotWithShape="0">
+                    <a:srgbClr val="6E747A">
+                      <a:alpha val="43000"/>
+                    </a:srgbClr>
+                  </a:outerShdw>
+                </a:effectLst>
+                <a:latin typeface="Arial Unicode MS"/>
+              </a:rPr>
+              <a:t>socket.AF_UNIX</a:t>
+            </a:r>
+            <a:endParaRPr lang="en-US" altLang="en-US" dirty="0">
+              <a:ln w="0"/>
+              <a:solidFill>
+                <a:schemeClr val="accent1"/>
+              </a:solidFill>
+              <a:effectLst>
+                <a:outerShdw blurRad="38100" dist="25400" dir="5400000" algn="ctr" rotWithShape="0">
+                  <a:srgbClr val="6E747A">
+                    <a:alpha val="43000"/>
+                  </a:srgbClr>
+                </a:outerShdw>
+              </a:effectLst>
+            </a:endParaRPr>
+          </a:p>
+          <a:p>
+            <a:pPr lvl="0" eaLnBrk="0" fontAlgn="base" hangingPunct="0">
+              <a:spcBef>
+                <a:spcPct val="0"/>
+              </a:spcBef>
+              <a:spcAft>
+                <a:spcPct val="0"/>
+              </a:spcAft>
+            </a:pPr>
+            <a:r>
+              <a:rPr lang="en-US" altLang="en-US" dirty="0" err="1">
+                <a:ln w="0"/>
+                <a:solidFill>
+                  <a:schemeClr val="accent1"/>
+                </a:solidFill>
+                <a:effectLst>
+                  <a:outerShdw blurRad="38100" dist="25400" dir="5400000" algn="ctr" rotWithShape="0">
+                    <a:srgbClr val="6E747A">
+                      <a:alpha val="43000"/>
+                    </a:srgbClr>
+                  </a:outerShdw>
+                </a:effectLst>
+                <a:latin typeface="Arial Unicode MS"/>
+              </a:rPr>
+              <a:t>socket.AF_INET</a:t>
+            </a:r>
+            <a:endParaRPr lang="en-US" altLang="en-US" dirty="0">
+              <a:ln w="0"/>
+              <a:solidFill>
+                <a:schemeClr val="accent1"/>
+              </a:solidFill>
+              <a:effectLst>
+                <a:outerShdw blurRad="38100" dist="25400" dir="5400000" algn="ctr" rotWithShape="0">
+                  <a:srgbClr val="6E747A">
+                    <a:alpha val="43000"/>
+                  </a:srgbClr>
+                </a:outerShdw>
+              </a:effectLst>
+            </a:endParaRPr>
+          </a:p>
+          <a:p>
+            <a:pPr lvl="0" eaLnBrk="0" fontAlgn="base" hangingPunct="0">
+              <a:spcBef>
+                <a:spcPct val="0"/>
+              </a:spcBef>
+              <a:spcAft>
+                <a:spcPct val="0"/>
+              </a:spcAft>
+            </a:pPr>
+            <a:r>
+              <a:rPr lang="en-US" altLang="en-US" dirty="0">
+                <a:ln w="0"/>
+                <a:solidFill>
+                  <a:schemeClr val="accent1"/>
+                </a:solidFill>
+                <a:effectLst>
+                  <a:outerShdw blurRad="38100" dist="25400" dir="5400000" algn="ctr" rotWithShape="0">
+                    <a:srgbClr val="6E747A">
+                      <a:alpha val="43000"/>
+                    </a:srgbClr>
+                  </a:outerShdw>
+                </a:effectLst>
+                <a:latin typeface="Arial Unicode MS"/>
+              </a:rPr>
+              <a:t>socket.AF_INET6</a:t>
+            </a:r>
+            <a:endParaRPr lang="en-US" altLang="en-US" dirty="0">
+              <a:ln w="0"/>
+              <a:solidFill>
+                <a:schemeClr val="accent1"/>
+              </a:solidFill>
+              <a:effectLst>
+                <a:outerShdw blurRad="38100" dist="25400" dir="5400000" algn="ctr" rotWithShape="0">
+                  <a:srgbClr val="6E747A">
+                    <a:alpha val="43000"/>
+                  </a:srgbClr>
+                </a:outerShdw>
+              </a:effectLst>
+            </a:endParaRPr>
+          </a:p>
+          <a:p>
+            <a:pPr algn="ctr"/>
+            <a:endParaRPr lang="en-US" dirty="0">
+              <a:ln w="0"/>
+              <a:solidFill>
+                <a:schemeClr val="accent1"/>
+              </a:solidFill>
+              <a:effectLst>
+                <a:outerShdw blurRad="38100" dist="25400" dir="5400000" algn="ctr" rotWithShape="0">
+                  <a:srgbClr val="6E747A">
+                    <a:alpha val="43000"/>
+                  </a:srgbClr>
+                </a:outerShdw>
+              </a:effectLst>
+            </a:endParaRPr>
+          </a:p>
+        </p:txBody>
+      </p:sp>
+      <p:sp>
+        <p:nvSpPr>
+          <p:cNvPr id="15" name="Rectangle 4">
+            <a:extLst>
+              <a:ext uri="{FF2B5EF4-FFF2-40B4-BE49-F238E27FC236}">
+                <a16:creationId xmlns:a16="http://schemas.microsoft.com/office/drawing/2014/main" id="{E70B2065-003E-4311-A4D5-012E2B9DB5E8}"/>
+              </a:ext>
+            </a:extLst>
+          </p:cNvPr>
+          <p:cNvSpPr>
+            <a:spLocks noGrp="1" noChangeArrowheads="1"/>
+          </p:cNvSpPr>
+          <p:nvPr>
+            <p:ph sz="quarter" idx="4"/>
+          </p:nvPr>
+        </p:nvSpPr>
+        <p:spPr bwMode="auto">
+          <a:xfrm>
+            <a:off x="6172200" y="4024203"/>
+            <a:ext cx="184731" cy="646331"/>
+          </a:xfrm>
+          <a:prstGeom prst="rect">
+            <a:avLst/>
+          </a:prstGeom>
+          <a:noFill/>
+          <a:ln>
+            <a:noFill/>
+          </a:ln>
+          <a:effectLst/>
+          <a:extLst>
+            <a:ext uri="{909E8E84-426E-40DD-AFC4-6F175D3DCCD1}">
+              <a14:hiddenFill xmlns:a14="http://schemas.microsoft.com/office/drawing/2010/main">
+                <a:solidFill>
+                  <a:schemeClr val="accent1"/>
+                </a:solidFill>
+              </a14:hiddenFill>
+            </a:ext>
+            <a:ext uri="{91240B29-F687-4F45-9708-019B960494DF}">
+              <a14:hiddenLine xmlns:a14="http://schemas.microsoft.com/office/drawing/2010/main" w="9525">
+                <a:solidFill>
+                  <a:schemeClr val="tx1"/>
+                </a:solidFill>
+                <a:miter lim="800000"/>
+                <a:headEnd/>
+                <a:tailEnd/>
+              </a14:hiddenLine>
+            </a:ext>
+            <a:ext uri="{AF507438-7753-43E0-B8FC-AC1667EBCBE1}">
+              <a14:hiddenEffects xmlns:a14="http://schemas.microsoft.com/office/drawing/2010/main">
+                <a:effectLst>
+                  <a:outerShdw dist="35921" dir="2700000" algn="ctr" rotWithShape="0">
+                    <a:schemeClr val="bg2"/>
+                  </a:outerShdw>
+                </a:effectLst>
+              </a14:hiddenEffects>
+            </a:ext>
+          </a:extLst>
+        </p:spPr>
+        <p:txBody>
+          <a:bodyPr vert="horz" wrap="none" lIns="91440" tIns="45720" rIns="91440" bIns="45720" numCol="1" anchor="ctr" anchorCtr="0" compatLnSpc="1">
+            <a:prstTxWarp prst="textNoShape">
+              <a:avLst/>
+            </a:prstTxWarp>
+            <a:spAutoFit/>
+          </a:bodyPr>
+          <a:lstStyle/>
+          <a:p>
+            <a:pPr marL="0" marR="0" lvl="0" indent="0" algn="l" defTabSz="914400" rtl="0" eaLnBrk="0" fontAlgn="base" latinLnBrk="0" hangingPunct="0">
+              <a:lnSpc>
+                <a:spcPct val="100000"/>
+              </a:lnSpc>
+              <a:spcBef>
+                <a:spcPct val="0"/>
+              </a:spcBef>
+              <a:spcAft>
+                <a:spcPct val="0"/>
+              </a:spcAft>
+              <a:buClrTx/>
+              <a:buSzTx/>
+              <a:buFontTx/>
+              <a:buNone/>
+              <a:tabLst/>
+            </a:pPr>
+            <a:endParaRPr kumimoji="0" lang="en-US" altLang="en-US" sz="1800" b="0" i="0" u="none" strike="noStrike" cap="none" normalizeH="0" baseline="0" dirty="0">
+              <a:ln>
+                <a:noFill/>
+              </a:ln>
+              <a:solidFill>
+                <a:schemeClr val="tx1"/>
+              </a:solidFill>
+              <a:effectLst/>
+              <a:latin typeface="Arial" panose="020B0604020202020204" pitchFamily="34" charset="0"/>
+            </a:endParaRPr>
+          </a:p>
+          <a:p>
+            <a:pPr marL="0" marR="0" lvl="0" indent="0" algn="l" defTabSz="914400" rtl="0" eaLnBrk="0" fontAlgn="base" latinLnBrk="0" hangingPunct="0">
+              <a:lnSpc>
+                <a:spcPct val="100000"/>
+              </a:lnSpc>
+              <a:spcBef>
+                <a:spcPct val="0"/>
+              </a:spcBef>
+              <a:spcAft>
+                <a:spcPct val="0"/>
+              </a:spcAft>
+              <a:buClrTx/>
+              <a:buSzTx/>
+              <a:buFontTx/>
+              <a:buNone/>
+              <a:tabLst/>
+            </a:pPr>
+            <a:endParaRPr kumimoji="0" lang="en-US" altLang="en-US" sz="1800" b="0" i="0" u="none" strike="noStrike" cap="none" normalizeH="0" baseline="0" dirty="0">
+              <a:ln>
+                <a:noFill/>
+              </a:ln>
+              <a:solidFill>
+                <a:schemeClr val="tx1"/>
+              </a:solidFill>
+              <a:effectLst/>
+              <a:latin typeface="Arial" panose="020B0604020202020204" pitchFamily="34" charset="0"/>
+            </a:endParaRPr>
+          </a:p>
+        </p:txBody>
+      </p:sp>
+      <p:sp>
+        <p:nvSpPr>
+          <p:cNvPr id="16" name="Flowchart: Process 15">
+            <a:extLst>
+              <a:ext uri="{FF2B5EF4-FFF2-40B4-BE49-F238E27FC236}">
+                <a16:creationId xmlns:a16="http://schemas.microsoft.com/office/drawing/2014/main" id="{8C6CF1A1-B1DB-4051-932B-30E43D3DA10E}"/>
+              </a:ext>
+            </a:extLst>
+          </p:cNvPr>
+          <p:cNvSpPr/>
+          <p:nvPr/>
+        </p:nvSpPr>
+        <p:spPr>
+          <a:xfrm>
+            <a:off x="6356931" y="1570756"/>
+            <a:ext cx="4105195" cy="2701636"/>
+          </a:xfrm>
+          <a:prstGeom prst="flowChartProcess">
+            <a:avLst/>
+          </a:prstGeom>
+          <a:ln/>
+        </p:spPr>
+        <p:style>
+          <a:lnRef idx="1">
+            <a:schemeClr val="accent1"/>
+          </a:lnRef>
+          <a:fillRef idx="2">
+            <a:schemeClr val="accent1"/>
+          </a:fillRef>
+          <a:effectRef idx="1">
+            <a:schemeClr val="accent1"/>
+          </a:effectRef>
+          <a:fontRef idx="minor">
+            <a:schemeClr val="dk1"/>
+          </a:fontRef>
+        </p:style>
+        <p:txBody>
+          <a:bodyPr numCol="1" rtlCol="0" anchor="ctr"/>
+          <a:lstStyle/>
+          <a:p>
+            <a:pPr lvl="0" eaLnBrk="0" fontAlgn="base" hangingPunct="0">
+              <a:spcBef>
+                <a:spcPct val="0"/>
+              </a:spcBef>
+              <a:spcAft>
+                <a:spcPct val="0"/>
+              </a:spcAft>
+            </a:pPr>
+            <a:r>
+              <a:rPr lang="en-US" altLang="en-US" sz="2000" dirty="0">
+                <a:solidFill>
+                  <a:schemeClr val="tx1"/>
+                </a:solidFill>
+                <a:latin typeface="Arial Unicode MS"/>
+              </a:rPr>
+              <a:t>socket.SOCK_STREAM</a:t>
+            </a:r>
+            <a:endParaRPr lang="en-US" altLang="en-US" sz="2000" dirty="0">
+              <a:solidFill>
+                <a:schemeClr val="tx1"/>
+              </a:solidFill>
+            </a:endParaRPr>
+          </a:p>
+          <a:p>
+            <a:pPr lvl="0" eaLnBrk="0" fontAlgn="base" hangingPunct="0">
+              <a:spcBef>
+                <a:spcPct val="0"/>
+              </a:spcBef>
+              <a:spcAft>
+                <a:spcPct val="0"/>
+              </a:spcAft>
+            </a:pPr>
+            <a:r>
+              <a:rPr lang="en-US" altLang="en-US" sz="2000" dirty="0">
+                <a:solidFill>
+                  <a:schemeClr val="tx1"/>
+                </a:solidFill>
+                <a:latin typeface="Arial Unicode MS"/>
+              </a:rPr>
+              <a:t>socket.SOCK_DGRAM</a:t>
+            </a:r>
+            <a:r>
+              <a:rPr lang="en-US" altLang="en-US" sz="2000" dirty="0">
+                <a:solidFill>
+                  <a:schemeClr val="tx1"/>
+                </a:solidFill>
+                <a:hlinkClick r:id="rId2" tooltip="Permalink to this definition"/>
+              </a:rPr>
+              <a:t>¶</a:t>
+            </a:r>
+            <a:endParaRPr lang="en-US" altLang="en-US" sz="2000" dirty="0">
+              <a:solidFill>
+                <a:schemeClr val="tx1"/>
+              </a:solidFill>
+              <a:latin typeface="Arial" panose="020B0604020202020204" pitchFamily="34" charset="0"/>
+            </a:endParaRPr>
+          </a:p>
+          <a:p>
+            <a:pPr lvl="0" eaLnBrk="0" fontAlgn="base" hangingPunct="0">
+              <a:spcBef>
+                <a:spcPct val="0"/>
+              </a:spcBef>
+              <a:spcAft>
+                <a:spcPct val="0"/>
+              </a:spcAft>
+            </a:pPr>
+            <a:r>
+              <a:rPr lang="en-US" altLang="en-US" sz="2000" dirty="0" err="1">
+                <a:solidFill>
+                  <a:schemeClr val="tx1"/>
+                </a:solidFill>
+                <a:latin typeface="Arial Unicode MS"/>
+              </a:rPr>
+              <a:t>socket.SOCK_RAW</a:t>
+            </a:r>
+            <a:endParaRPr lang="en-US" altLang="en-US" sz="2000" dirty="0">
+              <a:solidFill>
+                <a:schemeClr val="tx1"/>
+              </a:solidFill>
+            </a:endParaRPr>
+          </a:p>
+          <a:p>
+            <a:pPr lvl="0" eaLnBrk="0" fontAlgn="base" hangingPunct="0">
+              <a:spcBef>
+                <a:spcPct val="0"/>
+              </a:spcBef>
+              <a:spcAft>
+                <a:spcPct val="0"/>
+              </a:spcAft>
+            </a:pPr>
+            <a:r>
+              <a:rPr lang="en-US" altLang="en-US" sz="2000" dirty="0" err="1">
+                <a:solidFill>
+                  <a:schemeClr val="tx1"/>
+                </a:solidFill>
+                <a:latin typeface="Arial Unicode MS"/>
+              </a:rPr>
+              <a:t>socket.SOCK_RDM</a:t>
+            </a:r>
+            <a:endParaRPr lang="en-US" altLang="en-US" sz="2000" dirty="0">
+              <a:solidFill>
+                <a:schemeClr val="tx1"/>
+              </a:solidFill>
+            </a:endParaRPr>
+          </a:p>
+          <a:p>
+            <a:pPr lvl="0" eaLnBrk="0" fontAlgn="base" hangingPunct="0">
+              <a:spcBef>
+                <a:spcPct val="0"/>
+              </a:spcBef>
+              <a:spcAft>
+                <a:spcPct val="0"/>
+              </a:spcAft>
+            </a:pPr>
+            <a:r>
+              <a:rPr lang="en-US" altLang="en-US" sz="2000" dirty="0" err="1">
+                <a:solidFill>
+                  <a:schemeClr val="tx1"/>
+                </a:solidFill>
+                <a:latin typeface="Arial Unicode MS"/>
+              </a:rPr>
+              <a:t>socket.SOCK_SEQPACKET</a:t>
+            </a:r>
+            <a:endParaRPr lang="en-US" altLang="en-US" sz="2000" dirty="0">
+              <a:solidFill>
+                <a:schemeClr val="tx1"/>
+              </a:solidFill>
+            </a:endParaRPr>
+          </a:p>
+          <a:p>
+            <a:pPr algn="ctr"/>
+            <a:endParaRPr lang="en-US" dirty="0"/>
+          </a:p>
+        </p:txBody>
+      </p:sp>
+      <p:sp>
+        <p:nvSpPr>
+          <p:cNvPr id="18" name="Arrow: Right 17">
+            <a:extLst>
+              <a:ext uri="{FF2B5EF4-FFF2-40B4-BE49-F238E27FC236}">
+                <a16:creationId xmlns:a16="http://schemas.microsoft.com/office/drawing/2014/main" id="{55B07E36-E453-4032-83A3-B0D8CA945F4C}"/>
+              </a:ext>
+            </a:extLst>
+          </p:cNvPr>
+          <p:cNvSpPr/>
+          <p:nvPr/>
+        </p:nvSpPr>
+        <p:spPr>
+          <a:xfrm>
+            <a:off x="3418680" y="2713721"/>
+            <a:ext cx="2400299" cy="355600"/>
+          </a:xfrm>
+          <a:prstGeom prst="rightArrow">
+            <a:avLst/>
+          </a:prstGeom>
+        </p:spPr>
+        <p:style>
+          <a:lnRef idx="2">
+            <a:schemeClr val="accent1">
+              <a:shade val="50000"/>
+            </a:schemeClr>
+          </a:lnRef>
+          <a:fillRef idx="1">
+            <a:schemeClr val="accent1"/>
+          </a:fillRef>
+          <a:effectRef idx="0">
+            <a:schemeClr val="accent1"/>
+          </a:effectRef>
+          <a:fontRef idx="minor">
+            <a:schemeClr val="lt1"/>
+          </a:fontRef>
+        </p:style>
+        <p:txBody>
+          <a:bodyPr rtlCol="0" anchor="ctr"/>
+          <a:lstStyle/>
+          <a:p>
+            <a:pPr algn="ctr"/>
+            <a:endParaRPr lang="en-US"/>
+          </a:p>
+        </p:txBody>
+      </p:sp>
+      <p:sp>
+        <p:nvSpPr>
+          <p:cNvPr id="22" name="TextBox 21">
+            <a:extLst>
+              <a:ext uri="{FF2B5EF4-FFF2-40B4-BE49-F238E27FC236}">
+                <a16:creationId xmlns:a16="http://schemas.microsoft.com/office/drawing/2014/main" id="{EA8AEDD9-3364-429D-A685-DCF5133B5022}"/>
+              </a:ext>
+            </a:extLst>
+          </p:cNvPr>
+          <p:cNvSpPr txBox="1"/>
+          <p:nvPr/>
+        </p:nvSpPr>
+        <p:spPr>
+          <a:xfrm>
+            <a:off x="521494" y="5274579"/>
+            <a:ext cx="11149012" cy="1200329"/>
+          </a:xfrm>
+          <a:prstGeom prst="rect">
+            <a:avLst/>
+          </a:prstGeom>
+          <a:noFill/>
+        </p:spPr>
+        <p:txBody>
+          <a:bodyPr wrap="square" rtlCol="0">
+            <a:spAutoFit/>
+          </a:bodyPr>
+          <a:lstStyle/>
+          <a:p>
+            <a:r>
+              <a:rPr lang="en-US" dirty="0"/>
+              <a:t>=&gt; Above mentioned family and types will be defined as constants in socket module. These constants are represented as arguments in socket function.  </a:t>
+            </a:r>
+          </a:p>
+          <a:p>
+            <a:r>
+              <a:rPr lang="en-US" dirty="0"/>
+              <a:t>=&gt; Many Linux constants are defined in socket module also. </a:t>
+            </a:r>
+          </a:p>
           <a:p>
             <a:endParaRPr lang="en-US" dirty="0"/>
           </a:p>
@@ -4569,7 +5776,7 @@
     </p:spTree>
     <p:extLst>
       <p:ext uri="{BB962C8B-B14F-4D97-AF65-F5344CB8AC3E}">
-        <p14:creationId xmlns:p14="http://schemas.microsoft.com/office/powerpoint/2010/main" val="2193738766"/>
+        <p14:creationId xmlns:p14="http://schemas.microsoft.com/office/powerpoint/2010/main" val="2566387130"/>
       </p:ext>
     </p:extLst>
   </p:cSld>
@@ -4730,6 +5937,14 @@
 <file path=ppt/slides/slide9.xml><?xml version="1.0" encoding="utf-8"?>
 <p:sld xmlns:a="http://schemas.openxmlformats.org/drawingml/2006/main" xmlns:r="http://schemas.openxmlformats.org/officeDocument/2006/relationships" xmlns:p="http://schemas.openxmlformats.org/presentationml/2006/main">
   <p:cSld>
+    <p:bg>
+      <p:bgPr>
+        <a:solidFill>
+          <a:schemeClr val="bg1"/>
+        </a:solidFill>
+        <a:effectLst/>
+      </p:bgPr>
+    </p:bg>
     <p:spTree>
       <p:nvGrpSpPr>
         <p:cNvPr id="1" name=""/>
@@ -4744,63 +5959,565 @@
           <a:chExt cx="0" cy="0"/>
         </a:xfrm>
       </p:grpSpPr>
-      <p:sp>
-        <p:nvSpPr>
-          <p:cNvPr id="2" name="Title 1">
-            <a:extLst>
-              <a:ext uri="{FF2B5EF4-FFF2-40B4-BE49-F238E27FC236}">
-                <a16:creationId xmlns:a16="http://schemas.microsoft.com/office/drawing/2014/main" id="{C75FC363-9CC4-4DF5-8805-367B316AA18D}"/>
-              </a:ext>
-            </a:extLst>
-          </p:cNvPr>
-          <p:cNvSpPr>
-            <a:spLocks noGrp="1"/>
-          </p:cNvSpPr>
-          <p:nvPr>
-            <p:ph type="title"/>
-          </p:nvPr>
-        </p:nvSpPr>
-        <p:spPr/>
-        <p:txBody>
-          <a:bodyPr/>
+      <p:pic>
+        <p:nvPicPr>
+          <p:cNvPr id="20" name="Picture 14">
+            <a:extLst>
+              <a:ext uri="{FF2B5EF4-FFF2-40B4-BE49-F238E27FC236}">
+                <a16:creationId xmlns:a16="http://schemas.microsoft.com/office/drawing/2014/main" id="{EE09A529-E47C-4634-BB98-0A9526C372B4}"/>
+              </a:ext>
+              <a:ext uri="{C183D7F6-B498-43B3-948B-1728B52AA6E4}">
+                <adec:decorative xmlns:adec="http://schemas.microsoft.com/office/drawing/2017/decorative" val="1"/>
+              </a:ext>
+            </a:extLst>
+          </p:cNvPr>
+          <p:cNvPicPr>
+            <a:picLocks noGrp="1" noRot="1" noChangeAspect="1" noMove="1" noResize="1" noEditPoints="1" noAdjustHandles="1" noChangeArrowheads="1" noChangeShapeType="1" noCrop="1"/>
+          </p:cNvPicPr>
+          <p:nvPr>
+            <p:extLst>
+              <p:ext uri="{386F3935-93C4-4BCD-93E2-E3B085C9AB24}">
+                <p16:designElem xmlns:p16="http://schemas.microsoft.com/office/powerpoint/2015/main" val="1"/>
+              </p:ext>
+            </p:extLst>
+          </p:nvPr>
+        </p:nvPicPr>
+        <p:blipFill>
+          <a:blip r:embed="rId2">
+            <a:extLst>
+              <a:ext uri="{28A0092B-C50C-407E-A947-70E740481C1C}">
+                <a14:useLocalDpi xmlns:a14="http://schemas.microsoft.com/office/drawing/2010/main" val="0"/>
+              </a:ext>
+            </a:extLst>
+          </a:blip>
+          <a:stretch>
+            <a:fillRect/>
+          </a:stretch>
+        </p:blipFill>
+        <p:spPr>
+          <a:xfrm>
+            <a:off x="0" y="0"/>
+            <a:ext cx="12192000" cy="6858000"/>
+          </a:xfrm>
+          <a:prstGeom prst="rect">
+            <a:avLst/>
+          </a:prstGeom>
+        </p:spPr>
+      </p:pic>
+      <p:sp>
+        <p:nvSpPr>
+          <p:cNvPr id="21" name="Oval 16">
+            <a:extLst>
+              <a:ext uri="{FF2B5EF4-FFF2-40B4-BE49-F238E27FC236}">
+                <a16:creationId xmlns:a16="http://schemas.microsoft.com/office/drawing/2014/main" id="{569C1A01-6FB5-43CE-ADCC-936728ACAC0D}"/>
+              </a:ext>
+              <a:ext uri="{C183D7F6-B498-43B3-948B-1728B52AA6E4}">
+                <adec:decorative xmlns:adec="http://schemas.microsoft.com/office/drawing/2017/decorative" val="1"/>
+              </a:ext>
+            </a:extLst>
+          </p:cNvPr>
+          <p:cNvSpPr>
+            <a:spLocks noGrp="1" noRot="1" noChangeAspect="1" noMove="1" noResize="1" noEditPoints="1" noAdjustHandles="1" noChangeArrowheads="1" noChangeShapeType="1" noTextEdit="1"/>
+          </p:cNvSpPr>
+          <p:nvPr>
+            <p:extLst>
+              <p:ext uri="{386F3935-93C4-4BCD-93E2-E3B085C9AB24}">
+                <p16:designElem xmlns:p16="http://schemas.microsoft.com/office/powerpoint/2015/main" val="1"/>
+              </p:ext>
+            </p:extLst>
+          </p:nvPr>
+        </p:nvSpPr>
+        <p:spPr>
+          <a:xfrm>
+            <a:off x="1456267" y="4388303"/>
+            <a:ext cx="824089" cy="702986"/>
+          </a:xfrm>
+          <a:prstGeom prst="ellipse">
+            <a:avLst/>
+          </a:prstGeom>
+          <a:solidFill>
+            <a:srgbClr val="FFFFFF"/>
+          </a:solidFill>
+          <a:ln>
+            <a:noFill/>
+          </a:ln>
+        </p:spPr>
+        <p:style>
+          <a:lnRef idx="2">
+            <a:schemeClr val="accent1">
+              <a:shade val="50000"/>
+            </a:schemeClr>
+          </a:lnRef>
+          <a:fillRef idx="1">
+            <a:schemeClr val="accent1"/>
+          </a:fillRef>
+          <a:effectRef idx="0">
+            <a:schemeClr val="accent1"/>
+          </a:effectRef>
+          <a:fontRef idx="minor">
+            <a:schemeClr val="lt1"/>
+          </a:fontRef>
+        </p:style>
+        <p:txBody>
+          <a:bodyPr rtlCol="0" anchor="ctr"/>
+          <a:lstStyle/>
+          <a:p>
+            <a:pPr algn="ctr"/>
+            <a:endParaRPr lang="en-US"/>
+          </a:p>
+        </p:txBody>
+      </p:sp>
+      <p:graphicFrame>
+        <p:nvGraphicFramePr>
+          <p:cNvPr id="11" name="Content Placeholder 10">
+            <a:extLst>
+              <a:ext uri="{FF2B5EF4-FFF2-40B4-BE49-F238E27FC236}">
+                <a16:creationId xmlns:a16="http://schemas.microsoft.com/office/drawing/2014/main" id="{33DF5B4B-4CAA-4D0C-A710-9DCF3214F7F4}"/>
+              </a:ext>
+            </a:extLst>
+          </p:cNvPr>
+          <p:cNvGraphicFramePr>
+            <a:graphicFrameLocks noGrp="1"/>
+          </p:cNvGraphicFramePr>
+          <p:nvPr>
+            <p:ph idx="1"/>
+            <p:extLst>
+              <p:ext uri="{D42A27DB-BD31-4B8C-83A1-F6EECF244321}">
+                <p14:modId xmlns:p14="http://schemas.microsoft.com/office/powerpoint/2010/main" val="2936610966"/>
+              </p:ext>
+            </p:extLst>
+          </p:nvPr>
+        </p:nvGraphicFramePr>
+        <p:xfrm>
+          <a:off x="419100" y="469901"/>
+          <a:ext cx="11290299" cy="5206999"/>
+        </p:xfrm>
+        <a:graphic>
+          <a:graphicData uri="http://schemas.openxmlformats.org/drawingml/2006/table">
+            <a:tbl>
+              <a:tblPr firstRow="1" bandRow="1">
+                <a:tableStyleId>{5C22544A-7EE6-4342-B048-85BDC9FD1C3A}</a:tableStyleId>
+              </a:tblPr>
+              <a:tblGrid>
+                <a:gridCol w="3763433">
+                  <a:extLst>
+                    <a:ext uri="{9D8B030D-6E8A-4147-A177-3AD203B41FA5}">
+                      <a16:colId xmlns:a16="http://schemas.microsoft.com/office/drawing/2014/main" val="767155026"/>
+                    </a:ext>
+                  </a:extLst>
+                </a:gridCol>
+                <a:gridCol w="3763433">
+                  <a:extLst>
+                    <a:ext uri="{9D8B030D-6E8A-4147-A177-3AD203B41FA5}">
+                      <a16:colId xmlns:a16="http://schemas.microsoft.com/office/drawing/2014/main" val="1828081106"/>
+                    </a:ext>
+                  </a:extLst>
+                </a:gridCol>
+                <a:gridCol w="3763433">
+                  <a:extLst>
+                    <a:ext uri="{9D8B030D-6E8A-4147-A177-3AD203B41FA5}">
+                      <a16:colId xmlns:a16="http://schemas.microsoft.com/office/drawing/2014/main" val="2661887333"/>
+                    </a:ext>
+                  </a:extLst>
+                </a:gridCol>
+              </a:tblGrid>
+              <a:tr h="743857">
+                <a:tc>
+                  <a:txBody>
+                    <a:bodyPr/>
+                    <a:lstStyle/>
+                    <a:p>
+                      <a:r>
+                        <a:rPr lang="en-US" sz="1600" dirty="0">
+                          <a:latin typeface="Arial Narrow" panose="020B0606020202030204" pitchFamily="34" charset="0"/>
+                        </a:rPr>
+                        <a:t> Server Socket Methods </a:t>
+                      </a:r>
+                    </a:p>
+                  </a:txBody>
+                  <a:tcPr/>
+                </a:tc>
+                <a:tc>
+                  <a:txBody>
+                    <a:bodyPr/>
+                    <a:lstStyle/>
+                    <a:p>
+                      <a:r>
+                        <a:rPr lang="en-US" sz="1600" dirty="0">
+                          <a:latin typeface="Arial Narrow" panose="020B0606020202030204" pitchFamily="34" charset="0"/>
+                        </a:rPr>
+                        <a:t>Client Socket Method </a:t>
+                      </a:r>
+                    </a:p>
+                  </a:txBody>
+                  <a:tcPr/>
+                </a:tc>
+                <a:tc>
+                  <a:txBody>
+                    <a:bodyPr/>
+                    <a:lstStyle/>
+                    <a:p>
+                      <a:r>
+                        <a:rPr lang="en-US" sz="1600" dirty="0">
+                          <a:latin typeface="Arial Narrow" panose="020B0606020202030204" pitchFamily="34" charset="0"/>
+                        </a:rPr>
+                        <a:t>General Socket Method</a:t>
+                      </a:r>
+                    </a:p>
+                  </a:txBody>
+                  <a:tcPr/>
+                </a:tc>
+                <a:extLst>
+                  <a:ext uri="{0D108BD9-81ED-4DB2-BD59-A6C34878D82A}">
+                    <a16:rowId xmlns:a16="http://schemas.microsoft.com/office/drawing/2014/main" val="784213262"/>
+                  </a:ext>
+                </a:extLst>
+              </a:tr>
+              <a:tr h="743857">
+                <a:tc>
+                  <a:txBody>
+                    <a:bodyPr/>
+                    <a:lstStyle/>
+                    <a:p>
+                      <a:r>
+                        <a:rPr lang="en-US" sz="2000" i="1" dirty="0" err="1"/>
+                        <a:t>Socket_obj.bind</a:t>
+                      </a:r>
+                      <a:r>
+                        <a:rPr lang="en-US" sz="2000" i="1" dirty="0"/>
+                        <a:t>()</a:t>
+                      </a:r>
+                    </a:p>
+                  </a:txBody>
+                  <a:tcPr/>
+                </a:tc>
+                <a:tc>
+                  <a:txBody>
+                    <a:bodyPr/>
+                    <a:lstStyle/>
+                    <a:p>
+                      <a:r>
+                        <a:rPr lang="en-US" sz="2000" i="1" dirty="0" err="1"/>
+                        <a:t>Socket_obj.connect</a:t>
+                      </a:r>
+                      <a:r>
+                        <a:rPr lang="en-US" sz="2000" i="1" dirty="0"/>
+                        <a:t>()</a:t>
+                      </a:r>
+                    </a:p>
+                  </a:txBody>
+                  <a:tcPr/>
+                </a:tc>
+                <a:tc>
+                  <a:txBody>
+                    <a:bodyPr/>
+                    <a:lstStyle/>
+                    <a:p>
+                      <a:r>
+                        <a:rPr lang="en-US" sz="2000" i="1" dirty="0" err="1"/>
+                        <a:t>Socket_obj.send</a:t>
+                      </a:r>
+                      <a:r>
+                        <a:rPr lang="en-US" sz="2000" i="1" dirty="0"/>
+                        <a:t>()</a:t>
+                      </a:r>
+                    </a:p>
+                  </a:txBody>
+                  <a:tcPr/>
+                </a:tc>
+                <a:extLst>
+                  <a:ext uri="{0D108BD9-81ED-4DB2-BD59-A6C34878D82A}">
+                    <a16:rowId xmlns:a16="http://schemas.microsoft.com/office/drawing/2014/main" val="3510522869"/>
+                  </a:ext>
+                </a:extLst>
+              </a:tr>
+              <a:tr h="743857">
+                <a:tc>
+                  <a:txBody>
+                    <a:bodyPr/>
+                    <a:lstStyle/>
+                    <a:p>
+                      <a:r>
+                        <a:rPr lang="en-US" sz="2000" i="1" dirty="0" err="1"/>
+                        <a:t>Socket_obj.listen</a:t>
+                      </a:r>
+                      <a:r>
+                        <a:rPr lang="en-US" sz="2000" i="1" dirty="0"/>
+                        <a:t>()</a:t>
+                      </a:r>
+                    </a:p>
+                  </a:txBody>
+                  <a:tcPr/>
+                </a:tc>
+                <a:tc>
+                  <a:txBody>
+                    <a:bodyPr/>
+                    <a:lstStyle/>
+                    <a:p>
+                      <a:endParaRPr lang="en-US" sz="2000" i="1" dirty="0"/>
+                    </a:p>
+                  </a:txBody>
+                  <a:tcPr/>
+                </a:tc>
+                <a:tc>
+                  <a:txBody>
+                    <a:bodyPr/>
+                    <a:lstStyle/>
+                    <a:p>
+                      <a:r>
+                        <a:rPr lang="en-US" sz="2000" i="1" dirty="0" err="1"/>
+                        <a:t>Socket_obj.sendto</a:t>
+                      </a:r>
+                      <a:r>
+                        <a:rPr lang="en-US" sz="2000" i="1" dirty="0"/>
+                        <a:t>()</a:t>
+                      </a:r>
+                    </a:p>
+                  </a:txBody>
+                  <a:tcPr/>
+                </a:tc>
+                <a:extLst>
+                  <a:ext uri="{0D108BD9-81ED-4DB2-BD59-A6C34878D82A}">
+                    <a16:rowId xmlns:a16="http://schemas.microsoft.com/office/drawing/2014/main" val="1906141172"/>
+                  </a:ext>
+                </a:extLst>
+              </a:tr>
+              <a:tr h="743857">
+                <a:tc>
+                  <a:txBody>
+                    <a:bodyPr/>
+                    <a:lstStyle/>
+                    <a:p>
+                      <a:r>
+                        <a:rPr lang="en-US" sz="2000" i="1" dirty="0" err="1"/>
+                        <a:t>Socket_obj.accept</a:t>
+                      </a:r>
+                      <a:r>
+                        <a:rPr lang="en-US" sz="2000" i="1" dirty="0"/>
+                        <a:t>()</a:t>
+                      </a:r>
+                    </a:p>
+                  </a:txBody>
+                  <a:tcPr/>
+                </a:tc>
+                <a:tc>
+                  <a:txBody>
+                    <a:bodyPr/>
+                    <a:lstStyle/>
+                    <a:p>
+                      <a:endParaRPr lang="en-US" sz="2000" i="1" dirty="0"/>
+                    </a:p>
+                  </a:txBody>
+                  <a:tcPr/>
+                </a:tc>
+                <a:tc>
+                  <a:txBody>
+                    <a:bodyPr/>
+                    <a:lstStyle/>
+                    <a:p>
+                      <a:r>
+                        <a:rPr lang="en-US" sz="2000" i="1" dirty="0" err="1"/>
+                        <a:t>Socket_obj.recv</a:t>
+                      </a:r>
+                      <a:r>
+                        <a:rPr lang="en-US" sz="2000" i="1" dirty="0"/>
+                        <a:t>()</a:t>
+                      </a:r>
+                    </a:p>
+                  </a:txBody>
+                  <a:tcPr/>
+                </a:tc>
+                <a:extLst>
+                  <a:ext uri="{0D108BD9-81ED-4DB2-BD59-A6C34878D82A}">
+                    <a16:rowId xmlns:a16="http://schemas.microsoft.com/office/drawing/2014/main" val="1509428508"/>
+                  </a:ext>
+                </a:extLst>
+              </a:tr>
+              <a:tr h="743857">
+                <a:tc>
+                  <a:txBody>
+                    <a:bodyPr/>
+                    <a:lstStyle/>
+                    <a:p>
+                      <a:endParaRPr lang="en-US" sz="2000" i="1" dirty="0"/>
+                    </a:p>
+                  </a:txBody>
+                  <a:tcPr/>
+                </a:tc>
+                <a:tc>
+                  <a:txBody>
+                    <a:bodyPr/>
+                    <a:lstStyle/>
+                    <a:p>
+                      <a:endParaRPr lang="en-US" sz="2000" i="1" dirty="0"/>
+                    </a:p>
+                  </a:txBody>
+                  <a:tcPr/>
+                </a:tc>
+                <a:tc>
+                  <a:txBody>
+                    <a:bodyPr/>
+                    <a:lstStyle/>
+                    <a:p>
+                      <a:r>
+                        <a:rPr lang="en-US" sz="2000" i="1" dirty="0" err="1"/>
+                        <a:t>Socket_obj.recvfrom</a:t>
+                      </a:r>
+                      <a:r>
+                        <a:rPr lang="en-US" sz="2000" i="1" dirty="0"/>
+                        <a:t>()</a:t>
+                      </a:r>
+                    </a:p>
+                  </a:txBody>
+                  <a:tcPr/>
+                </a:tc>
+                <a:extLst>
+                  <a:ext uri="{0D108BD9-81ED-4DB2-BD59-A6C34878D82A}">
+                    <a16:rowId xmlns:a16="http://schemas.microsoft.com/office/drawing/2014/main" val="3350948860"/>
+                  </a:ext>
+                </a:extLst>
+              </a:tr>
+              <a:tr h="743857">
+                <a:tc>
+                  <a:txBody>
+                    <a:bodyPr/>
+                    <a:lstStyle/>
+                    <a:p>
+                      <a:endParaRPr lang="en-US" sz="2000" i="1" dirty="0"/>
+                    </a:p>
+                  </a:txBody>
+                  <a:tcPr/>
+                </a:tc>
+                <a:tc>
+                  <a:txBody>
+                    <a:bodyPr/>
+                    <a:lstStyle/>
+                    <a:p>
+                      <a:endParaRPr lang="en-US" sz="2000" i="1" dirty="0"/>
+                    </a:p>
+                  </a:txBody>
+                  <a:tcPr/>
+                </a:tc>
+                <a:tc>
+                  <a:txBody>
+                    <a:bodyPr/>
+                    <a:lstStyle/>
+                    <a:p>
+                      <a:r>
+                        <a:rPr lang="en-US" sz="2000" i="1" dirty="0" err="1"/>
+                        <a:t>Socket_obj.close</a:t>
+                      </a:r>
+                      <a:r>
+                        <a:rPr lang="en-US" sz="2000" i="1" dirty="0"/>
+                        <a:t>()</a:t>
+                      </a:r>
+                    </a:p>
+                  </a:txBody>
+                  <a:tcPr/>
+                </a:tc>
+                <a:extLst>
+                  <a:ext uri="{0D108BD9-81ED-4DB2-BD59-A6C34878D82A}">
+                    <a16:rowId xmlns:a16="http://schemas.microsoft.com/office/drawing/2014/main" val="1451870389"/>
+                  </a:ext>
+                </a:extLst>
+              </a:tr>
+              <a:tr h="743857">
+                <a:tc>
+                  <a:txBody>
+                    <a:bodyPr/>
+                    <a:lstStyle/>
+                    <a:p>
+                      <a:endParaRPr lang="en-US" sz="2000" i="1" dirty="0"/>
+                    </a:p>
+                  </a:txBody>
+                  <a:tcPr/>
+                </a:tc>
+                <a:tc>
+                  <a:txBody>
+                    <a:bodyPr/>
+                    <a:lstStyle/>
+                    <a:p>
+                      <a:endParaRPr lang="en-US" sz="2000" i="1" dirty="0"/>
+                    </a:p>
+                  </a:txBody>
+                  <a:tcPr/>
+                </a:tc>
+                <a:tc>
+                  <a:txBody>
+                    <a:bodyPr/>
+                    <a:lstStyle/>
+                    <a:p>
+                      <a:r>
+                        <a:rPr lang="en-US" sz="2000" i="1" dirty="0" err="1"/>
+                        <a:t>Socket.gethostname</a:t>
+                      </a:r>
+                      <a:r>
+                        <a:rPr lang="en-US" sz="2000" i="1" dirty="0"/>
+                        <a:t>()</a:t>
+                      </a:r>
+                    </a:p>
+                  </a:txBody>
+                  <a:tcPr/>
+                </a:tc>
+                <a:extLst>
+                  <a:ext uri="{0D108BD9-81ED-4DB2-BD59-A6C34878D82A}">
+                    <a16:rowId xmlns:a16="http://schemas.microsoft.com/office/drawing/2014/main" val="3146523148"/>
+                  </a:ext>
+                </a:extLst>
+              </a:tr>
+            </a:tbl>
+          </a:graphicData>
+        </a:graphic>
+      </p:graphicFrame>
+      <p:sp>
+        <p:nvSpPr>
+          <p:cNvPr id="13" name="TextBox 12">
+            <a:extLst>
+              <a:ext uri="{FF2B5EF4-FFF2-40B4-BE49-F238E27FC236}">
+                <a16:creationId xmlns:a16="http://schemas.microsoft.com/office/drawing/2014/main" id="{3C3499B9-2A3C-4D88-BBFB-3199E5171B7B}"/>
+              </a:ext>
+            </a:extLst>
+          </p:cNvPr>
+          <p:cNvSpPr txBox="1"/>
+          <p:nvPr/>
+        </p:nvSpPr>
+        <p:spPr>
+          <a:xfrm>
+            <a:off x="584200" y="6070600"/>
+            <a:ext cx="11290299" cy="369332"/>
+          </a:xfrm>
+          <a:prstGeom prst="rect">
+            <a:avLst/>
+          </a:prstGeom>
+          <a:noFill/>
+        </p:spPr>
+        <p:txBody>
+          <a:bodyPr wrap="square" rtlCol="0">
+            <a:spAutoFit/>
+          </a:bodyPr>
           <a:lstStyle/>
           <a:p>
             <a:r>
               <a:rPr lang="en-US" dirty="0"/>
-              <a:t>Socket function’s</a:t>
-            </a:r>
-          </a:p>
-        </p:txBody>
-      </p:sp>
-      <p:sp>
-        <p:nvSpPr>
-          <p:cNvPr id="3" name="Content Placeholder 2">
-            <a:extLst>
-              <a:ext uri="{FF2B5EF4-FFF2-40B4-BE49-F238E27FC236}">
-                <a16:creationId xmlns:a16="http://schemas.microsoft.com/office/drawing/2014/main" id="{8823695F-483E-4852-AD71-32CCE44F9A8A}"/>
-              </a:ext>
-            </a:extLst>
-          </p:cNvPr>
-          <p:cNvSpPr>
-            <a:spLocks noGrp="1"/>
-          </p:cNvSpPr>
-          <p:nvPr>
-            <p:ph idx="1"/>
-          </p:nvPr>
-        </p:nvSpPr>
-        <p:spPr/>
-        <p:txBody>
-          <a:bodyPr/>
-          <a:lstStyle/>
-          <a:p>
-            <a:endParaRPr lang="en-US" dirty="0"/>
+              <a:t>For More socket method, Please visit </a:t>
+            </a:r>
+            <a:r>
+              <a:rPr lang="en-US" dirty="0">
+                <a:hlinkClick r:id="rId3"/>
+              </a:rPr>
+              <a:t>https://docs.python.org/3/library/socket.html</a:t>
+            </a:r>
+            <a:r>
+              <a:rPr lang="en-US" dirty="0"/>
+              <a:t> </a:t>
+            </a:r>
           </a:p>
         </p:txBody>
       </p:sp>
     </p:spTree>
     <p:extLst>
       <p:ext uri="{BB962C8B-B14F-4D97-AF65-F5344CB8AC3E}">
-        <p14:creationId xmlns:p14="http://schemas.microsoft.com/office/powerpoint/2010/main" val="4036801375"/>
+        <p14:creationId xmlns:p14="http://schemas.microsoft.com/office/powerpoint/2010/main" val="2193738766"/>
       </p:ext>
     </p:extLst>
   </p:cSld>
